--- a/images/Figuras/esquemas y diagramas/esquemas_tesis.pptx
+++ b/images/Figuras/esquemas y diagramas/esquemas_tesis.pptx
@@ -5,10 +5,10 @@
     <p:sldMasterId id="2147483756" r:id="rId1"/>
   </p:sldMasterIdLst>
   <p:notesMasterIdLst>
-    <p:notesMasterId r:id="rId17"/>
+    <p:notesMasterId r:id="rId18"/>
   </p:notesMasterIdLst>
   <p:handoutMasterIdLst>
-    <p:handoutMasterId r:id="rId18"/>
+    <p:handoutMasterId r:id="rId19"/>
   </p:handoutMasterIdLst>
   <p:sldIdLst>
     <p:sldId id="416" r:id="rId2"/>
@@ -26,6 +26,7 @@
     <p:sldId id="470" r:id="rId14"/>
     <p:sldId id="471" r:id="rId15"/>
     <p:sldId id="472" r:id="rId16"/>
+    <p:sldId id="473" r:id="rId17"/>
   </p:sldIdLst>
   <p:sldSz cx="12192000" cy="5057775"/>
   <p:notesSz cx="7315200" cy="9601200"/>
@@ -132,7 +133,7 @@
             <a:srgbClr val="A4A3A4"/>
           </p15:clr>
         </p15:guide>
-        <p15:guide id="2" orient="horz" pos="1593" userDrawn="1">
+        <p15:guide id="2" orient="horz" pos="1616" userDrawn="1">
           <p15:clr>
             <a:srgbClr val="A4A3A4"/>
           </p15:clr>
@@ -3579,7 +3580,7 @@
           <a:p>
             <a:fld id="{5A5BCC01-0FD1-49E9-B4CA-DE9E3BF5171C}" type="datetimeFigureOut">
               <a:rPr lang="es-CL" smtClean="0"/>
-              <a:t>28-09-2022</a:t>
+              <a:t>13-12-2022</a:t>
             </a:fld>
             <a:endParaRPr lang="es-CL"/>
           </a:p>
@@ -3757,7 +3758,7 @@
           <a:p>
             <a:fld id="{18D52A74-5D28-4134-8689-AC2D826D90E8}" type="datetimeFigureOut">
               <a:rPr lang="es-CL" smtClean="0"/>
-              <a:t>28-09-2022</a:t>
+              <a:t>13-12-2022</a:t>
             </a:fld>
             <a:endParaRPr lang="es-CL"/>
           </a:p>
@@ -5323,6 +5324,196 @@
 </p:notes>
 </file>
 
+<file path=ppt/notesSlides/notesSlide9.xml><?xml version="1.0" encoding="utf-8"?>
+<p:notes xmlns:a="http://schemas.openxmlformats.org/drawingml/2006/main" xmlns:r="http://schemas.openxmlformats.org/officeDocument/2006/relationships" xmlns:p="http://schemas.openxmlformats.org/presentationml/2006/main" showMasterSp="0" showMasterPhAnim="0">
+  <p:cSld>
+    <p:spTree>
+      <p:nvGrpSpPr>
+        <p:cNvPr id="1" name="Shape 141"/>
+        <p:cNvGrpSpPr/>
+        <p:nvPr/>
+      </p:nvGrpSpPr>
+      <p:grpSpPr>
+        <a:xfrm>
+          <a:off x="0" y="0"/>
+          <a:ext cx="0" cy="0"/>
+          <a:chOff x="0" y="0"/>
+          <a:chExt cx="0" cy="0"/>
+        </a:xfrm>
+      </p:grpSpPr>
+      <p:sp>
+        <p:nvSpPr>
+          <p:cNvPr id="142" name="Google Shape;142;p4:notes"/>
+          <p:cNvSpPr txBox="1">
+            <a:spLocks noGrp="1"/>
+          </p:cNvSpPr>
+          <p:nvPr>
+            <p:ph type="body" idx="1"/>
+          </p:nvPr>
+        </p:nvSpPr>
+        <p:spPr>
+          <a:xfrm>
+            <a:off x="731520" y="4560570"/>
+            <a:ext cx="5852160" cy="4320540"/>
+          </a:xfrm>
+          <a:prstGeom prst="rect">
+            <a:avLst/>
+          </a:prstGeom>
+        </p:spPr>
+        <p:txBody>
+          <a:bodyPr spcFirstLastPara="1" wrap="square" lIns="96645" tIns="96645" rIns="96645" bIns="96645" anchor="t" anchorCtr="0">
+            <a:noAutofit/>
+          </a:bodyPr>
+          <a:lstStyle/>
+          <a:p>
+            <a:r>
+              <a:rPr lang="es-CL" dirty="0"/>
+              <a:t>Mencionar:</a:t>
+            </a:r>
+          </a:p>
+          <a:p>
+            <a:r>
+              <a:rPr lang="es-CL" dirty="0"/>
+              <a:t>-Enfoque automático de captura de datos (de forma continua)</a:t>
+            </a:r>
+          </a:p>
+          <a:p>
+            <a:r>
+              <a:rPr lang="es-CL" dirty="0"/>
+              <a:t>-Sistemas de decisión</a:t>
+            </a:r>
+          </a:p>
+          <a:p>
+            <a:pPr lvl="0"/>
+            <a:r>
+              <a:rPr lang="es-419" dirty="0">
+                <a:solidFill>
+                  <a:srgbClr val="000000"/>
+                </a:solidFill>
+                <a:latin typeface="Arial"/>
+                <a:ea typeface="Arial"/>
+                <a:cs typeface="Arial"/>
+                <a:sym typeface="Arial"/>
+              </a:rPr>
+              <a:t>Adquisición de datos,</a:t>
+            </a:r>
+            <a:endParaRPr lang="es-CL" dirty="0">
+              <a:solidFill>
+                <a:srgbClr val="000000"/>
+              </a:solidFill>
+              <a:latin typeface="Arial"/>
+              <a:ea typeface="Arial"/>
+              <a:cs typeface="Arial"/>
+              <a:sym typeface="Arial"/>
+            </a:endParaRPr>
+          </a:p>
+          <a:p>
+            <a:pPr lvl="0"/>
+            <a:r>
+              <a:rPr lang="es-419" dirty="0">
+                <a:solidFill>
+                  <a:srgbClr val="000000"/>
+                </a:solidFill>
+                <a:latin typeface="Arial"/>
+                <a:ea typeface="Arial"/>
+                <a:cs typeface="Arial"/>
+                <a:sym typeface="Arial"/>
+              </a:rPr>
+              <a:t>Procesamiento y transferencia de datos,</a:t>
+            </a:r>
+            <a:endParaRPr lang="es-CL" dirty="0">
+              <a:solidFill>
+                <a:srgbClr val="000000"/>
+              </a:solidFill>
+              <a:latin typeface="Arial"/>
+              <a:ea typeface="Arial"/>
+              <a:cs typeface="Arial"/>
+              <a:sym typeface="Arial"/>
+            </a:endParaRPr>
+          </a:p>
+          <a:p>
+            <a:pPr lvl="0"/>
+            <a:r>
+              <a:rPr lang="es-419" dirty="0">
+                <a:solidFill>
+                  <a:srgbClr val="000000"/>
+                </a:solidFill>
+                <a:latin typeface="Arial"/>
+                <a:ea typeface="Arial"/>
+                <a:cs typeface="Arial"/>
+                <a:sym typeface="Arial"/>
+              </a:rPr>
+              <a:t>Análisis mediante un sistema experto.</a:t>
+            </a:r>
+            <a:endParaRPr lang="es-CL" dirty="0">
+              <a:solidFill>
+                <a:srgbClr val="000000"/>
+              </a:solidFill>
+              <a:latin typeface="Arial"/>
+              <a:ea typeface="Arial"/>
+              <a:cs typeface="Arial"/>
+              <a:sym typeface="Arial"/>
+            </a:endParaRPr>
+          </a:p>
+          <a:p>
+            <a:endParaRPr dirty="0"/>
+          </a:p>
+        </p:txBody>
+      </p:sp>
+      <p:sp>
+        <p:nvSpPr>
+          <p:cNvPr id="143" name="Google Shape;143;p4:notes"/>
+          <p:cNvSpPr>
+            <a:spLocks noGrp="1" noRot="1" noChangeAspect="1"/>
+          </p:cNvSpPr>
+          <p:nvPr>
+            <p:ph type="sldImg" idx="2"/>
+          </p:nvPr>
+        </p:nvSpPr>
+        <p:spPr>
+          <a:xfrm>
+            <a:off x="-681038" y="720725"/>
+            <a:ext cx="8677276" cy="3600450"/>
+          </a:xfrm>
+          <a:custGeom>
+            <a:avLst/>
+            <a:gdLst/>
+            <a:ahLst/>
+            <a:cxnLst/>
+            <a:rect l="l" t="t" r="r" b="b"/>
+            <a:pathLst>
+              <a:path w="120000" h="120000" extrusionOk="0">
+                <a:moveTo>
+                  <a:pt x="0" y="0"/>
+                </a:moveTo>
+                <a:lnTo>
+                  <a:pt x="120000" y="0"/>
+                </a:lnTo>
+                <a:lnTo>
+                  <a:pt x="120000" y="120000"/>
+                </a:lnTo>
+                <a:lnTo>
+                  <a:pt x="0" y="120000"/>
+                </a:lnTo>
+                <a:close/>
+              </a:path>
+            </a:pathLst>
+          </a:custGeom>
+        </p:spPr>
+      </p:sp>
+    </p:spTree>
+    <p:extLst>
+      <p:ext uri="{BB962C8B-B14F-4D97-AF65-F5344CB8AC3E}">
+        <p14:creationId xmlns:p14="http://schemas.microsoft.com/office/powerpoint/2010/main" val="655808533"/>
+      </p:ext>
+    </p:extLst>
+  </p:cSld>
+  <p:clrMapOvr>
+    <a:masterClrMapping/>
+  </p:clrMapOvr>
+</p:notes>
+</file>
+
 <file path=ppt/slideLayouts/slideLayout1.xml><?xml version="1.0" encoding="utf-8"?>
 <p:sldLayout xmlns:a="http://schemas.openxmlformats.org/drawingml/2006/main" xmlns:r="http://schemas.openxmlformats.org/officeDocument/2006/relationships" xmlns:p="http://schemas.openxmlformats.org/presentationml/2006/main" type="title" preserve="1">
   <p:cSld name="Diapositiva de título">
@@ -5454,7 +5645,7 @@
           <a:p>
             <a:fld id="{9F1D33AD-E437-4BA9-BFE7-D93613526FF3}" type="datetime1">
               <a:rPr lang="es-CL" smtClean="0"/>
-              <a:t>28-09-2022</a:t>
+              <a:t>13-12-2022</a:t>
             </a:fld>
             <a:endParaRPr lang="es-CL"/>
           </a:p>
@@ -5624,7 +5815,7 @@
           <a:p>
             <a:fld id="{47E9364F-3789-4E8B-A131-0A4392BF4C2B}" type="datetime1">
               <a:rPr lang="es-CL" smtClean="0"/>
-              <a:t>28-09-2022</a:t>
+              <a:t>13-12-2022</a:t>
             </a:fld>
             <a:endParaRPr lang="es-CL"/>
           </a:p>
@@ -5804,7 +5995,7 @@
           <a:p>
             <a:fld id="{A555D09C-54F1-4103-B1D0-A0C7A93EB56A}" type="datetime1">
               <a:rPr lang="es-CL" smtClean="0"/>
-              <a:t>28-09-2022</a:t>
+              <a:t>13-12-2022</a:t>
             </a:fld>
             <a:endParaRPr lang="es-CL"/>
           </a:p>
@@ -5974,7 +6165,7 @@
           <a:p>
             <a:fld id="{9A6FB27C-D5FE-4302-92A9-54C203CFFFB5}" type="datetime1">
               <a:rPr lang="es-CL" smtClean="0"/>
-              <a:t>28-09-2022</a:t>
+              <a:t>13-12-2022</a:t>
             </a:fld>
             <a:endParaRPr lang="es-CL"/>
           </a:p>
@@ -6220,7 +6411,7 @@
           <a:p>
             <a:fld id="{5BEFE370-8425-49D0-97DD-9CC1614727B3}" type="datetime1">
               <a:rPr lang="es-CL" smtClean="0"/>
-              <a:t>28-09-2022</a:t>
+              <a:t>13-12-2022</a:t>
             </a:fld>
             <a:endParaRPr lang="es-CL"/>
           </a:p>
@@ -6452,7 +6643,7 @@
           <a:p>
             <a:fld id="{FE0E7550-4153-45BD-B2FB-845DA4ABFF9E}" type="datetime1">
               <a:rPr lang="es-CL" smtClean="0"/>
-              <a:t>28-09-2022</a:t>
+              <a:t>13-12-2022</a:t>
             </a:fld>
             <a:endParaRPr lang="es-CL"/>
           </a:p>
@@ -6819,7 +7010,7 @@
           <a:p>
             <a:fld id="{822154BF-6F04-4001-8EF6-95C34D2BF4A1}" type="datetime1">
               <a:rPr lang="es-CL" smtClean="0"/>
-              <a:t>28-09-2022</a:t>
+              <a:t>13-12-2022</a:t>
             </a:fld>
             <a:endParaRPr lang="es-CL"/>
           </a:p>
@@ -6937,7 +7128,7 @@
           <a:p>
             <a:fld id="{E46E752F-BEA7-43E0-A5A1-B2EA7CDB0D6C}" type="datetime1">
               <a:rPr lang="es-CL" smtClean="0"/>
-              <a:t>28-09-2022</a:t>
+              <a:t>13-12-2022</a:t>
             </a:fld>
             <a:endParaRPr lang="es-CL"/>
           </a:p>
@@ -7032,7 +7223,7 @@
           <a:p>
             <a:fld id="{662B03B8-9DC5-49D3-BA00-15A809629E91}" type="datetime1">
               <a:rPr lang="es-CL" smtClean="0"/>
-              <a:t>28-09-2022</a:t>
+              <a:t>13-12-2022</a:t>
             </a:fld>
             <a:endParaRPr lang="es-CL"/>
           </a:p>
@@ -7309,7 +7500,7 @@
           <a:p>
             <a:fld id="{CB5BDE43-0D44-4F49-9C54-7A803D52FB41}" type="datetime1">
               <a:rPr lang="es-CL" smtClean="0"/>
-              <a:t>28-09-2022</a:t>
+              <a:t>13-12-2022</a:t>
             </a:fld>
             <a:endParaRPr lang="es-CL"/>
           </a:p>
@@ -7566,7 +7757,7 @@
           <a:p>
             <a:fld id="{2E559A4A-506F-45C7-BF8D-25D8F92F2A51}" type="datetime1">
               <a:rPr lang="es-CL" smtClean="0"/>
-              <a:t>28-09-2022</a:t>
+              <a:t>13-12-2022</a:t>
             </a:fld>
             <a:endParaRPr lang="es-CL"/>
           </a:p>
@@ -7779,7 +7970,7 @@
           <a:p>
             <a:fld id="{26B05A2E-5511-447C-BD45-39D0EC844460}" type="datetime1">
               <a:rPr lang="es-CL" smtClean="0"/>
-              <a:t>28-09-2022</a:t>
+              <a:t>13-12-2022</a:t>
             </a:fld>
             <a:endParaRPr lang="es-CL"/>
           </a:p>
@@ -24793,6 +24984,2596 @@
   <p:clrMapOvr>
     <a:masterClrMapping/>
   </p:clrMapOvr>
+</p:sld>
+</file>
+
+<file path=ppt/slides/slide16.xml><?xml version="1.0" encoding="utf-8"?>
+<p:sld xmlns:a="http://schemas.openxmlformats.org/drawingml/2006/main" xmlns:r="http://schemas.openxmlformats.org/officeDocument/2006/relationships" xmlns:p="http://schemas.openxmlformats.org/presentationml/2006/main">
+  <p:cSld>
+    <p:spTree>
+      <p:nvGrpSpPr>
+        <p:cNvPr id="1" name="Shape 144"/>
+        <p:cNvGrpSpPr/>
+        <p:nvPr/>
+      </p:nvGrpSpPr>
+      <p:grpSpPr>
+        <a:xfrm>
+          <a:off x="0" y="0"/>
+          <a:ext cx="0" cy="0"/>
+          <a:chOff x="0" y="0"/>
+          <a:chExt cx="0" cy="0"/>
+        </a:xfrm>
+      </p:grpSpPr>
+      <p:sp>
+        <p:nvSpPr>
+          <p:cNvPr id="3" name="Marcador de número de diapositiva 2">
+            <a:extLst>
+              <a:ext uri="{FF2B5EF4-FFF2-40B4-BE49-F238E27FC236}">
+                <a16:creationId xmlns:a16="http://schemas.microsoft.com/office/drawing/2014/main" id="{2E2F5AA8-3FB3-4655-A9E7-1CAC549BA080}"/>
+              </a:ext>
+            </a:extLst>
+          </p:cNvPr>
+          <p:cNvSpPr>
+            <a:spLocks noGrp="1"/>
+          </p:cNvSpPr>
+          <p:nvPr>
+            <p:ph type="sldNum" sz="quarter" idx="12"/>
+          </p:nvPr>
+        </p:nvSpPr>
+        <p:spPr>
+          <a:xfrm>
+            <a:off x="10595687" y="5132733"/>
+            <a:ext cx="1592729" cy="464795"/>
+          </a:xfrm>
+          <a:prstGeom prst="rect">
+            <a:avLst/>
+          </a:prstGeom>
+          <a:noFill/>
+          <a:ln>
+            <a:noFill/>
+          </a:ln>
+        </p:spPr>
+        <p:txBody>
+          <a:bodyPr spcFirstLastPara="1" vert="horz" wrap="square" lIns="60950" tIns="30467" rIns="60950" bIns="30467" rtlCol="0" anchor="ctr" anchorCtr="0">
+            <a:noAutofit/>
+          </a:bodyPr>
+          <a:lstStyle>
+            <a:defPPr marR="0" lvl="0" algn="l" rtl="0">
+              <a:lnSpc>
+                <a:spcPct val="100000"/>
+              </a:lnSpc>
+              <a:spcBef>
+                <a:spcPts val="0"/>
+              </a:spcBef>
+              <a:spcAft>
+                <a:spcPts val="0"/>
+              </a:spcAft>
+            </a:defPPr>
+            <a:lvl1pPr marL="0" marR="0" lvl="0" indent="0" algn="r" rtl="0">
+              <a:lnSpc>
+                <a:spcPct val="100000"/>
+              </a:lnSpc>
+              <a:spcBef>
+                <a:spcPts val="0"/>
+              </a:spcBef>
+              <a:spcAft>
+                <a:spcPts val="0"/>
+              </a:spcAft>
+              <a:buClr>
+                <a:srgbClr val="000000"/>
+              </a:buClr>
+              <a:buFont typeface="Arial"/>
+              <a:buNone/>
+              <a:defRPr sz="2133" b="0" i="0" u="none" strike="noStrike" cap="none">
+                <a:solidFill>
+                  <a:schemeClr val="tx1"/>
+                </a:solidFill>
+                <a:latin typeface="Calibri"/>
+                <a:ea typeface="Calibri"/>
+                <a:cs typeface="Calibri"/>
+                <a:sym typeface="Calibri"/>
+              </a:defRPr>
+            </a:lvl1pPr>
+            <a:lvl2pPr marL="0" marR="0" lvl="1" indent="0" algn="r" rtl="0">
+              <a:lnSpc>
+                <a:spcPct val="100000"/>
+              </a:lnSpc>
+              <a:spcBef>
+                <a:spcPts val="0"/>
+              </a:spcBef>
+              <a:spcAft>
+                <a:spcPts val="0"/>
+              </a:spcAft>
+              <a:buClr>
+                <a:srgbClr val="000000"/>
+              </a:buClr>
+              <a:buFont typeface="Arial"/>
+              <a:buNone/>
+              <a:defRPr sz="800" b="0" i="0" u="none" strike="noStrike" cap="none">
+                <a:solidFill>
+                  <a:srgbClr val="888888"/>
+                </a:solidFill>
+                <a:latin typeface="Calibri"/>
+                <a:ea typeface="Calibri"/>
+                <a:cs typeface="Calibri"/>
+                <a:sym typeface="Calibri"/>
+              </a:defRPr>
+            </a:lvl2pPr>
+            <a:lvl3pPr marL="0" marR="0" lvl="2" indent="0" algn="r" rtl="0">
+              <a:lnSpc>
+                <a:spcPct val="100000"/>
+              </a:lnSpc>
+              <a:spcBef>
+                <a:spcPts val="0"/>
+              </a:spcBef>
+              <a:spcAft>
+                <a:spcPts val="0"/>
+              </a:spcAft>
+              <a:buClr>
+                <a:srgbClr val="000000"/>
+              </a:buClr>
+              <a:buFont typeface="Arial"/>
+              <a:buNone/>
+              <a:defRPr sz="800" b="0" i="0" u="none" strike="noStrike" cap="none">
+                <a:solidFill>
+                  <a:srgbClr val="888888"/>
+                </a:solidFill>
+                <a:latin typeface="Calibri"/>
+                <a:ea typeface="Calibri"/>
+                <a:cs typeface="Calibri"/>
+                <a:sym typeface="Calibri"/>
+              </a:defRPr>
+            </a:lvl3pPr>
+            <a:lvl4pPr marL="0" marR="0" lvl="3" indent="0" algn="r" rtl="0">
+              <a:lnSpc>
+                <a:spcPct val="100000"/>
+              </a:lnSpc>
+              <a:spcBef>
+                <a:spcPts val="0"/>
+              </a:spcBef>
+              <a:spcAft>
+                <a:spcPts val="0"/>
+              </a:spcAft>
+              <a:buClr>
+                <a:srgbClr val="000000"/>
+              </a:buClr>
+              <a:buFont typeface="Arial"/>
+              <a:buNone/>
+              <a:defRPr sz="800" b="0" i="0" u="none" strike="noStrike" cap="none">
+                <a:solidFill>
+                  <a:srgbClr val="888888"/>
+                </a:solidFill>
+                <a:latin typeface="Calibri"/>
+                <a:ea typeface="Calibri"/>
+                <a:cs typeface="Calibri"/>
+                <a:sym typeface="Calibri"/>
+              </a:defRPr>
+            </a:lvl4pPr>
+            <a:lvl5pPr marL="0" marR="0" lvl="4" indent="0" algn="r" rtl="0">
+              <a:lnSpc>
+                <a:spcPct val="100000"/>
+              </a:lnSpc>
+              <a:spcBef>
+                <a:spcPts val="0"/>
+              </a:spcBef>
+              <a:spcAft>
+                <a:spcPts val="0"/>
+              </a:spcAft>
+              <a:buClr>
+                <a:srgbClr val="000000"/>
+              </a:buClr>
+              <a:buFont typeface="Arial"/>
+              <a:buNone/>
+              <a:defRPr sz="800" b="0" i="0" u="none" strike="noStrike" cap="none">
+                <a:solidFill>
+                  <a:srgbClr val="888888"/>
+                </a:solidFill>
+                <a:latin typeface="Calibri"/>
+                <a:ea typeface="Calibri"/>
+                <a:cs typeface="Calibri"/>
+                <a:sym typeface="Calibri"/>
+              </a:defRPr>
+            </a:lvl5pPr>
+            <a:lvl6pPr marL="0" marR="0" lvl="5" indent="0" algn="r" rtl="0">
+              <a:lnSpc>
+                <a:spcPct val="100000"/>
+              </a:lnSpc>
+              <a:spcBef>
+                <a:spcPts val="0"/>
+              </a:spcBef>
+              <a:spcAft>
+                <a:spcPts val="0"/>
+              </a:spcAft>
+              <a:buClr>
+                <a:srgbClr val="000000"/>
+              </a:buClr>
+              <a:buFont typeface="Arial"/>
+              <a:buNone/>
+              <a:defRPr sz="800" b="0" i="0" u="none" strike="noStrike" cap="none">
+                <a:solidFill>
+                  <a:srgbClr val="888888"/>
+                </a:solidFill>
+                <a:latin typeface="Calibri"/>
+                <a:ea typeface="Calibri"/>
+                <a:cs typeface="Calibri"/>
+                <a:sym typeface="Calibri"/>
+              </a:defRPr>
+            </a:lvl6pPr>
+            <a:lvl7pPr marL="0" marR="0" lvl="6" indent="0" algn="r" rtl="0">
+              <a:lnSpc>
+                <a:spcPct val="100000"/>
+              </a:lnSpc>
+              <a:spcBef>
+                <a:spcPts val="0"/>
+              </a:spcBef>
+              <a:spcAft>
+                <a:spcPts val="0"/>
+              </a:spcAft>
+              <a:buClr>
+                <a:srgbClr val="000000"/>
+              </a:buClr>
+              <a:buFont typeface="Arial"/>
+              <a:buNone/>
+              <a:defRPr sz="800" b="0" i="0" u="none" strike="noStrike" cap="none">
+                <a:solidFill>
+                  <a:srgbClr val="888888"/>
+                </a:solidFill>
+                <a:latin typeface="Calibri"/>
+                <a:ea typeface="Calibri"/>
+                <a:cs typeface="Calibri"/>
+                <a:sym typeface="Calibri"/>
+              </a:defRPr>
+            </a:lvl7pPr>
+            <a:lvl8pPr marL="0" marR="0" lvl="7" indent="0" algn="r" rtl="0">
+              <a:lnSpc>
+                <a:spcPct val="100000"/>
+              </a:lnSpc>
+              <a:spcBef>
+                <a:spcPts val="0"/>
+              </a:spcBef>
+              <a:spcAft>
+                <a:spcPts val="0"/>
+              </a:spcAft>
+              <a:buClr>
+                <a:srgbClr val="000000"/>
+              </a:buClr>
+              <a:buFont typeface="Arial"/>
+              <a:buNone/>
+              <a:defRPr sz="800" b="0" i="0" u="none" strike="noStrike" cap="none">
+                <a:solidFill>
+                  <a:srgbClr val="888888"/>
+                </a:solidFill>
+                <a:latin typeface="Calibri"/>
+                <a:ea typeface="Calibri"/>
+                <a:cs typeface="Calibri"/>
+                <a:sym typeface="Calibri"/>
+              </a:defRPr>
+            </a:lvl8pPr>
+            <a:lvl9pPr marL="0" marR="0" lvl="8" indent="0" algn="r" rtl="0">
+              <a:lnSpc>
+                <a:spcPct val="100000"/>
+              </a:lnSpc>
+              <a:spcBef>
+                <a:spcPts val="0"/>
+              </a:spcBef>
+              <a:spcAft>
+                <a:spcPts val="0"/>
+              </a:spcAft>
+              <a:buClr>
+                <a:srgbClr val="000000"/>
+              </a:buClr>
+              <a:buFont typeface="Arial"/>
+              <a:buNone/>
+              <a:defRPr sz="800" b="0" i="0" u="none" strike="noStrike" cap="none">
+                <a:solidFill>
+                  <a:srgbClr val="888888"/>
+                </a:solidFill>
+                <a:latin typeface="Calibri"/>
+                <a:ea typeface="Calibri"/>
+                <a:cs typeface="Calibri"/>
+                <a:sym typeface="Calibri"/>
+              </a:defRPr>
+            </a:lvl9pPr>
+          </a:lstStyle>
+          <a:p>
+            <a:fld id="{00000000-1234-1234-1234-123412341234}" type="slidenum">
+              <a:rPr lang="en-US" smtClean="0">
+                <a:solidFill>
+                  <a:schemeClr val="bg1"/>
+                </a:solidFill>
+                <a:latin typeface="CMU Serif" panose="02000603000000000000" pitchFamily="2" charset="0"/>
+                <a:ea typeface="CMU Serif" panose="02000603000000000000" pitchFamily="2" charset="0"/>
+                <a:cs typeface="CMU Serif" panose="02000603000000000000" pitchFamily="2" charset="0"/>
+              </a:rPr>
+              <a:pPr/>
+              <a:t>16</a:t>
+            </a:fld>
+            <a:endParaRPr lang="en-US" dirty="0">
+              <a:solidFill>
+                <a:schemeClr val="bg1"/>
+              </a:solidFill>
+              <a:latin typeface="CMU Serif" panose="02000603000000000000" pitchFamily="2" charset="0"/>
+              <a:ea typeface="CMU Serif" panose="02000603000000000000" pitchFamily="2" charset="0"/>
+              <a:cs typeface="CMU Serif" panose="02000603000000000000" pitchFamily="2" charset="0"/>
+            </a:endParaRPr>
+          </a:p>
+        </p:txBody>
+      </p:sp>
+      <p:grpSp>
+        <p:nvGrpSpPr>
+          <p:cNvPr id="57" name="Grupo 56">
+            <a:extLst>
+              <a:ext uri="{FF2B5EF4-FFF2-40B4-BE49-F238E27FC236}">
+                <a16:creationId xmlns:a16="http://schemas.microsoft.com/office/drawing/2014/main" id="{5C9CFD8F-09E6-4B8D-934F-887E769CA605}"/>
+              </a:ext>
+            </a:extLst>
+          </p:cNvPr>
+          <p:cNvGrpSpPr/>
+          <p:nvPr/>
+        </p:nvGrpSpPr>
+        <p:grpSpPr>
+          <a:xfrm>
+            <a:off x="343345" y="2226425"/>
+            <a:ext cx="11318686" cy="897649"/>
+            <a:chOff x="323021" y="3618732"/>
+            <a:chExt cx="11318686" cy="897649"/>
+          </a:xfrm>
+        </p:grpSpPr>
+        <p:sp>
+          <p:nvSpPr>
+            <p:cNvPr id="60" name="Título 1">
+              <a:extLst>
+                <a:ext uri="{FF2B5EF4-FFF2-40B4-BE49-F238E27FC236}">
+                  <a16:creationId xmlns:a16="http://schemas.microsoft.com/office/drawing/2014/main" id="{5EE1AF67-9E03-44E0-B910-E869DB7F769B}"/>
+                </a:ext>
+              </a:extLst>
+            </p:cNvPr>
+            <p:cNvSpPr txBox="1">
+              <a:spLocks/>
+            </p:cNvSpPr>
+            <p:nvPr/>
+          </p:nvSpPr>
+          <p:spPr>
+            <a:xfrm>
+              <a:off x="2295678" y="3619405"/>
+              <a:ext cx="2195933" cy="615284"/>
+            </a:xfrm>
+            <a:prstGeom prst="rect">
+              <a:avLst/>
+            </a:prstGeom>
+            <a:solidFill>
+              <a:srgbClr val="A3FA94">
+                <a:alpha val="50000"/>
+              </a:srgbClr>
+            </a:solidFill>
+            <a:ln>
+              <a:noFill/>
+            </a:ln>
+          </p:spPr>
+          <p:txBody>
+            <a:bodyPr spcFirstLastPara="1" wrap="square" lIns="60950" tIns="30467" rIns="60950" bIns="30467" anchor="ctr" anchorCtr="0">
+              <a:noAutofit/>
+            </a:bodyPr>
+            <a:lstStyle>
+              <a:defPPr marR="0" lvl="0" algn="l" rtl="0">
+                <a:lnSpc>
+                  <a:spcPct val="100000"/>
+                </a:lnSpc>
+                <a:spcBef>
+                  <a:spcPts val="0"/>
+                </a:spcBef>
+                <a:spcAft>
+                  <a:spcPts val="0"/>
+                </a:spcAft>
+              </a:defPPr>
+              <a:lvl1pPr marR="0" lvl="0" algn="ctr" rtl="0">
+                <a:lnSpc>
+                  <a:spcPct val="100000"/>
+                </a:lnSpc>
+                <a:spcBef>
+                  <a:spcPts val="0"/>
+                </a:spcBef>
+                <a:spcAft>
+                  <a:spcPts val="0"/>
+                </a:spcAft>
+                <a:buClr>
+                  <a:schemeClr val="dk1"/>
+                </a:buClr>
+                <a:buSzPts val="1800"/>
+                <a:buFont typeface="Calibri"/>
+                <a:buNone/>
+                <a:defRPr sz="4400" b="0" i="0" u="none" strike="noStrike" cap="none">
+                  <a:solidFill>
+                    <a:schemeClr val="dk1"/>
+                  </a:solidFill>
+                  <a:latin typeface="Calibri"/>
+                  <a:ea typeface="Calibri"/>
+                  <a:cs typeface="Calibri"/>
+                  <a:sym typeface="Calibri"/>
+                </a:defRPr>
+              </a:lvl1pPr>
+              <a:lvl2pPr marR="0" lvl="1" algn="l" rtl="0">
+                <a:lnSpc>
+                  <a:spcPct val="100000"/>
+                </a:lnSpc>
+                <a:spcBef>
+                  <a:spcPts val="0"/>
+                </a:spcBef>
+                <a:spcAft>
+                  <a:spcPts val="0"/>
+                </a:spcAft>
+                <a:buClr>
+                  <a:srgbClr val="000000"/>
+                </a:buClr>
+                <a:buSzPts val="1400"/>
+                <a:buFont typeface="Arial"/>
+                <a:buNone/>
+                <a:defRPr sz="1800" b="0" i="0" u="none" strike="noStrike" cap="none">
+                  <a:solidFill>
+                    <a:srgbClr val="000000"/>
+                  </a:solidFill>
+                  <a:latin typeface="Arial"/>
+                  <a:ea typeface="Arial"/>
+                  <a:cs typeface="Arial"/>
+                  <a:sym typeface="Arial"/>
+                </a:defRPr>
+              </a:lvl2pPr>
+              <a:lvl3pPr marR="0" lvl="2" algn="l" rtl="0">
+                <a:lnSpc>
+                  <a:spcPct val="100000"/>
+                </a:lnSpc>
+                <a:spcBef>
+                  <a:spcPts val="0"/>
+                </a:spcBef>
+                <a:spcAft>
+                  <a:spcPts val="0"/>
+                </a:spcAft>
+                <a:buClr>
+                  <a:srgbClr val="000000"/>
+                </a:buClr>
+                <a:buSzPts val="1400"/>
+                <a:buFont typeface="Arial"/>
+                <a:buNone/>
+                <a:defRPr sz="1800" b="0" i="0" u="none" strike="noStrike" cap="none">
+                  <a:solidFill>
+                    <a:srgbClr val="000000"/>
+                  </a:solidFill>
+                  <a:latin typeface="Arial"/>
+                  <a:ea typeface="Arial"/>
+                  <a:cs typeface="Arial"/>
+                  <a:sym typeface="Arial"/>
+                </a:defRPr>
+              </a:lvl3pPr>
+              <a:lvl4pPr marR="0" lvl="3" algn="l" rtl="0">
+                <a:lnSpc>
+                  <a:spcPct val="100000"/>
+                </a:lnSpc>
+                <a:spcBef>
+                  <a:spcPts val="0"/>
+                </a:spcBef>
+                <a:spcAft>
+                  <a:spcPts val="0"/>
+                </a:spcAft>
+                <a:buClr>
+                  <a:srgbClr val="000000"/>
+                </a:buClr>
+                <a:buSzPts val="1400"/>
+                <a:buFont typeface="Arial"/>
+                <a:buNone/>
+                <a:defRPr sz="1800" b="0" i="0" u="none" strike="noStrike" cap="none">
+                  <a:solidFill>
+                    <a:srgbClr val="000000"/>
+                  </a:solidFill>
+                  <a:latin typeface="Arial"/>
+                  <a:ea typeface="Arial"/>
+                  <a:cs typeface="Arial"/>
+                  <a:sym typeface="Arial"/>
+                </a:defRPr>
+              </a:lvl4pPr>
+              <a:lvl5pPr marR="0" lvl="4" algn="l" rtl="0">
+                <a:lnSpc>
+                  <a:spcPct val="100000"/>
+                </a:lnSpc>
+                <a:spcBef>
+                  <a:spcPts val="0"/>
+                </a:spcBef>
+                <a:spcAft>
+                  <a:spcPts val="0"/>
+                </a:spcAft>
+                <a:buClr>
+                  <a:srgbClr val="000000"/>
+                </a:buClr>
+                <a:buSzPts val="1400"/>
+                <a:buFont typeface="Arial"/>
+                <a:buNone/>
+                <a:defRPr sz="1800" b="0" i="0" u="none" strike="noStrike" cap="none">
+                  <a:solidFill>
+                    <a:srgbClr val="000000"/>
+                  </a:solidFill>
+                  <a:latin typeface="Arial"/>
+                  <a:ea typeface="Arial"/>
+                  <a:cs typeface="Arial"/>
+                  <a:sym typeface="Arial"/>
+                </a:defRPr>
+              </a:lvl5pPr>
+              <a:lvl6pPr marR="0" lvl="5" algn="l" rtl="0">
+                <a:lnSpc>
+                  <a:spcPct val="100000"/>
+                </a:lnSpc>
+                <a:spcBef>
+                  <a:spcPts val="0"/>
+                </a:spcBef>
+                <a:spcAft>
+                  <a:spcPts val="0"/>
+                </a:spcAft>
+                <a:buClr>
+                  <a:srgbClr val="000000"/>
+                </a:buClr>
+                <a:buSzPts val="1400"/>
+                <a:buFont typeface="Arial"/>
+                <a:buNone/>
+                <a:defRPr sz="1800" b="0" i="0" u="none" strike="noStrike" cap="none">
+                  <a:solidFill>
+                    <a:srgbClr val="000000"/>
+                  </a:solidFill>
+                  <a:latin typeface="Arial"/>
+                  <a:ea typeface="Arial"/>
+                  <a:cs typeface="Arial"/>
+                  <a:sym typeface="Arial"/>
+                </a:defRPr>
+              </a:lvl6pPr>
+              <a:lvl7pPr marR="0" lvl="6" algn="l" rtl="0">
+                <a:lnSpc>
+                  <a:spcPct val="100000"/>
+                </a:lnSpc>
+                <a:spcBef>
+                  <a:spcPts val="0"/>
+                </a:spcBef>
+                <a:spcAft>
+                  <a:spcPts val="0"/>
+                </a:spcAft>
+                <a:buClr>
+                  <a:srgbClr val="000000"/>
+                </a:buClr>
+                <a:buSzPts val="1400"/>
+                <a:buFont typeface="Arial"/>
+                <a:buNone/>
+                <a:defRPr sz="1800" b="0" i="0" u="none" strike="noStrike" cap="none">
+                  <a:solidFill>
+                    <a:srgbClr val="000000"/>
+                  </a:solidFill>
+                  <a:latin typeface="Arial"/>
+                  <a:ea typeface="Arial"/>
+                  <a:cs typeface="Arial"/>
+                  <a:sym typeface="Arial"/>
+                </a:defRPr>
+              </a:lvl7pPr>
+              <a:lvl8pPr marR="0" lvl="7" algn="l" rtl="0">
+                <a:lnSpc>
+                  <a:spcPct val="100000"/>
+                </a:lnSpc>
+                <a:spcBef>
+                  <a:spcPts val="0"/>
+                </a:spcBef>
+                <a:spcAft>
+                  <a:spcPts val="0"/>
+                </a:spcAft>
+                <a:buClr>
+                  <a:srgbClr val="000000"/>
+                </a:buClr>
+                <a:buSzPts val="1400"/>
+                <a:buFont typeface="Arial"/>
+                <a:buNone/>
+                <a:defRPr sz="1800" b="0" i="0" u="none" strike="noStrike" cap="none">
+                  <a:solidFill>
+                    <a:srgbClr val="000000"/>
+                  </a:solidFill>
+                  <a:latin typeface="Arial"/>
+                  <a:ea typeface="Arial"/>
+                  <a:cs typeface="Arial"/>
+                  <a:sym typeface="Arial"/>
+                </a:defRPr>
+              </a:lvl8pPr>
+              <a:lvl9pPr marR="0" lvl="8" algn="l" rtl="0">
+                <a:lnSpc>
+                  <a:spcPct val="100000"/>
+                </a:lnSpc>
+                <a:spcBef>
+                  <a:spcPts val="0"/>
+                </a:spcBef>
+                <a:spcAft>
+                  <a:spcPts val="0"/>
+                </a:spcAft>
+                <a:buClr>
+                  <a:srgbClr val="000000"/>
+                </a:buClr>
+                <a:buSzPts val="1400"/>
+                <a:buFont typeface="Arial"/>
+                <a:buNone/>
+                <a:defRPr sz="1800" b="0" i="0" u="none" strike="noStrike" cap="none">
+                  <a:solidFill>
+                    <a:srgbClr val="000000"/>
+                  </a:solidFill>
+                  <a:latin typeface="Arial"/>
+                  <a:ea typeface="Arial"/>
+                  <a:cs typeface="Arial"/>
+                  <a:sym typeface="Arial"/>
+                </a:defRPr>
+              </a:lvl9pPr>
+            </a:lstStyle>
+            <a:p>
+              <a:r>
+                <a:rPr lang="es-ES" sz="2000" dirty="0" err="1">
+                  <a:solidFill>
+                    <a:schemeClr val="tx1"/>
+                  </a:solidFill>
+                  <a:latin typeface="CMU Serif" panose="02000603000000000000" pitchFamily="2" charset="0"/>
+                  <a:ea typeface="CMU Serif" panose="02000603000000000000" pitchFamily="2" charset="0"/>
+                  <a:cs typeface="CMU Serif" panose="02000603000000000000" pitchFamily="2" charset="0"/>
+                </a:rPr>
+                <a:t>Pre-procesamiento</a:t>
+              </a:r>
+              <a:endParaRPr lang="es-CL" sz="2000" dirty="0">
+                <a:solidFill>
+                  <a:schemeClr val="tx1"/>
+                </a:solidFill>
+                <a:latin typeface="CMU Serif" panose="02000603000000000000" pitchFamily="2" charset="0"/>
+                <a:ea typeface="CMU Serif" panose="02000603000000000000" pitchFamily="2" charset="0"/>
+                <a:cs typeface="CMU Serif" panose="02000603000000000000" pitchFamily="2" charset="0"/>
+              </a:endParaRPr>
+            </a:p>
+          </p:txBody>
+        </p:sp>
+        <p:sp>
+          <p:nvSpPr>
+            <p:cNvPr id="62" name="Título 1">
+              <a:extLst>
+                <a:ext uri="{FF2B5EF4-FFF2-40B4-BE49-F238E27FC236}">
+                  <a16:creationId xmlns:a16="http://schemas.microsoft.com/office/drawing/2014/main" id="{C0C788A2-1EB9-4578-91BA-78B71EF4D155}"/>
+                </a:ext>
+              </a:extLst>
+            </p:cNvPr>
+            <p:cNvSpPr txBox="1">
+              <a:spLocks/>
+            </p:cNvSpPr>
+            <p:nvPr/>
+          </p:nvSpPr>
+          <p:spPr>
+            <a:xfrm>
+              <a:off x="323021" y="3659372"/>
+              <a:ext cx="1468458" cy="533400"/>
+            </a:xfrm>
+            <a:prstGeom prst="rect">
+              <a:avLst/>
+            </a:prstGeom>
+            <a:solidFill>
+              <a:srgbClr val="FFC000">
+                <a:alpha val="50000"/>
+              </a:srgbClr>
+            </a:solidFill>
+            <a:ln>
+              <a:noFill/>
+            </a:ln>
+          </p:spPr>
+          <p:txBody>
+            <a:bodyPr spcFirstLastPara="1" wrap="square" lIns="60950" tIns="30467" rIns="60950" bIns="30467" anchor="ctr" anchorCtr="0">
+              <a:noAutofit/>
+            </a:bodyPr>
+            <a:lstStyle>
+              <a:defPPr marR="0" lvl="0" algn="l" rtl="0">
+                <a:lnSpc>
+                  <a:spcPct val="100000"/>
+                </a:lnSpc>
+                <a:spcBef>
+                  <a:spcPts val="0"/>
+                </a:spcBef>
+                <a:spcAft>
+                  <a:spcPts val="0"/>
+                </a:spcAft>
+              </a:defPPr>
+              <a:lvl1pPr marR="0" lvl="0" algn="ctr" rtl="0">
+                <a:lnSpc>
+                  <a:spcPct val="100000"/>
+                </a:lnSpc>
+                <a:spcBef>
+                  <a:spcPts val="0"/>
+                </a:spcBef>
+                <a:spcAft>
+                  <a:spcPts val="0"/>
+                </a:spcAft>
+                <a:buClr>
+                  <a:schemeClr val="dk1"/>
+                </a:buClr>
+                <a:buSzPts val="1800"/>
+                <a:buFont typeface="Calibri"/>
+                <a:buNone/>
+                <a:defRPr sz="4400" b="0" i="0" u="none" strike="noStrike" cap="none">
+                  <a:solidFill>
+                    <a:schemeClr val="dk1"/>
+                  </a:solidFill>
+                  <a:latin typeface="Calibri"/>
+                  <a:ea typeface="Calibri"/>
+                  <a:cs typeface="Calibri"/>
+                  <a:sym typeface="Calibri"/>
+                </a:defRPr>
+              </a:lvl1pPr>
+              <a:lvl2pPr marR="0" lvl="1" algn="l" rtl="0">
+                <a:lnSpc>
+                  <a:spcPct val="100000"/>
+                </a:lnSpc>
+                <a:spcBef>
+                  <a:spcPts val="0"/>
+                </a:spcBef>
+                <a:spcAft>
+                  <a:spcPts val="0"/>
+                </a:spcAft>
+                <a:buClr>
+                  <a:srgbClr val="000000"/>
+                </a:buClr>
+                <a:buSzPts val="1400"/>
+                <a:buFont typeface="Arial"/>
+                <a:buNone/>
+                <a:defRPr sz="1800" b="0" i="0" u="none" strike="noStrike" cap="none">
+                  <a:solidFill>
+                    <a:srgbClr val="000000"/>
+                  </a:solidFill>
+                  <a:latin typeface="Arial"/>
+                  <a:ea typeface="Arial"/>
+                  <a:cs typeface="Arial"/>
+                  <a:sym typeface="Arial"/>
+                </a:defRPr>
+              </a:lvl2pPr>
+              <a:lvl3pPr marR="0" lvl="2" algn="l" rtl="0">
+                <a:lnSpc>
+                  <a:spcPct val="100000"/>
+                </a:lnSpc>
+                <a:spcBef>
+                  <a:spcPts val="0"/>
+                </a:spcBef>
+                <a:spcAft>
+                  <a:spcPts val="0"/>
+                </a:spcAft>
+                <a:buClr>
+                  <a:srgbClr val="000000"/>
+                </a:buClr>
+                <a:buSzPts val="1400"/>
+                <a:buFont typeface="Arial"/>
+                <a:buNone/>
+                <a:defRPr sz="1800" b="0" i="0" u="none" strike="noStrike" cap="none">
+                  <a:solidFill>
+                    <a:srgbClr val="000000"/>
+                  </a:solidFill>
+                  <a:latin typeface="Arial"/>
+                  <a:ea typeface="Arial"/>
+                  <a:cs typeface="Arial"/>
+                  <a:sym typeface="Arial"/>
+                </a:defRPr>
+              </a:lvl3pPr>
+              <a:lvl4pPr marR="0" lvl="3" algn="l" rtl="0">
+                <a:lnSpc>
+                  <a:spcPct val="100000"/>
+                </a:lnSpc>
+                <a:spcBef>
+                  <a:spcPts val="0"/>
+                </a:spcBef>
+                <a:spcAft>
+                  <a:spcPts val="0"/>
+                </a:spcAft>
+                <a:buClr>
+                  <a:srgbClr val="000000"/>
+                </a:buClr>
+                <a:buSzPts val="1400"/>
+                <a:buFont typeface="Arial"/>
+                <a:buNone/>
+                <a:defRPr sz="1800" b="0" i="0" u="none" strike="noStrike" cap="none">
+                  <a:solidFill>
+                    <a:srgbClr val="000000"/>
+                  </a:solidFill>
+                  <a:latin typeface="Arial"/>
+                  <a:ea typeface="Arial"/>
+                  <a:cs typeface="Arial"/>
+                  <a:sym typeface="Arial"/>
+                </a:defRPr>
+              </a:lvl4pPr>
+              <a:lvl5pPr marR="0" lvl="4" algn="l" rtl="0">
+                <a:lnSpc>
+                  <a:spcPct val="100000"/>
+                </a:lnSpc>
+                <a:spcBef>
+                  <a:spcPts val="0"/>
+                </a:spcBef>
+                <a:spcAft>
+                  <a:spcPts val="0"/>
+                </a:spcAft>
+                <a:buClr>
+                  <a:srgbClr val="000000"/>
+                </a:buClr>
+                <a:buSzPts val="1400"/>
+                <a:buFont typeface="Arial"/>
+                <a:buNone/>
+                <a:defRPr sz="1800" b="0" i="0" u="none" strike="noStrike" cap="none">
+                  <a:solidFill>
+                    <a:srgbClr val="000000"/>
+                  </a:solidFill>
+                  <a:latin typeface="Arial"/>
+                  <a:ea typeface="Arial"/>
+                  <a:cs typeface="Arial"/>
+                  <a:sym typeface="Arial"/>
+                </a:defRPr>
+              </a:lvl5pPr>
+              <a:lvl6pPr marR="0" lvl="5" algn="l" rtl="0">
+                <a:lnSpc>
+                  <a:spcPct val="100000"/>
+                </a:lnSpc>
+                <a:spcBef>
+                  <a:spcPts val="0"/>
+                </a:spcBef>
+                <a:spcAft>
+                  <a:spcPts val="0"/>
+                </a:spcAft>
+                <a:buClr>
+                  <a:srgbClr val="000000"/>
+                </a:buClr>
+                <a:buSzPts val="1400"/>
+                <a:buFont typeface="Arial"/>
+                <a:buNone/>
+                <a:defRPr sz="1800" b="0" i="0" u="none" strike="noStrike" cap="none">
+                  <a:solidFill>
+                    <a:srgbClr val="000000"/>
+                  </a:solidFill>
+                  <a:latin typeface="Arial"/>
+                  <a:ea typeface="Arial"/>
+                  <a:cs typeface="Arial"/>
+                  <a:sym typeface="Arial"/>
+                </a:defRPr>
+              </a:lvl6pPr>
+              <a:lvl7pPr marR="0" lvl="6" algn="l" rtl="0">
+                <a:lnSpc>
+                  <a:spcPct val="100000"/>
+                </a:lnSpc>
+                <a:spcBef>
+                  <a:spcPts val="0"/>
+                </a:spcBef>
+                <a:spcAft>
+                  <a:spcPts val="0"/>
+                </a:spcAft>
+                <a:buClr>
+                  <a:srgbClr val="000000"/>
+                </a:buClr>
+                <a:buSzPts val="1400"/>
+                <a:buFont typeface="Arial"/>
+                <a:buNone/>
+                <a:defRPr sz="1800" b="0" i="0" u="none" strike="noStrike" cap="none">
+                  <a:solidFill>
+                    <a:srgbClr val="000000"/>
+                  </a:solidFill>
+                  <a:latin typeface="Arial"/>
+                  <a:ea typeface="Arial"/>
+                  <a:cs typeface="Arial"/>
+                  <a:sym typeface="Arial"/>
+                </a:defRPr>
+              </a:lvl7pPr>
+              <a:lvl8pPr marR="0" lvl="7" algn="l" rtl="0">
+                <a:lnSpc>
+                  <a:spcPct val="100000"/>
+                </a:lnSpc>
+                <a:spcBef>
+                  <a:spcPts val="0"/>
+                </a:spcBef>
+                <a:spcAft>
+                  <a:spcPts val="0"/>
+                </a:spcAft>
+                <a:buClr>
+                  <a:srgbClr val="000000"/>
+                </a:buClr>
+                <a:buSzPts val="1400"/>
+                <a:buFont typeface="Arial"/>
+                <a:buNone/>
+                <a:defRPr sz="1800" b="0" i="0" u="none" strike="noStrike" cap="none">
+                  <a:solidFill>
+                    <a:srgbClr val="000000"/>
+                  </a:solidFill>
+                  <a:latin typeface="Arial"/>
+                  <a:ea typeface="Arial"/>
+                  <a:cs typeface="Arial"/>
+                  <a:sym typeface="Arial"/>
+                </a:defRPr>
+              </a:lvl8pPr>
+              <a:lvl9pPr marR="0" lvl="8" algn="l" rtl="0">
+                <a:lnSpc>
+                  <a:spcPct val="100000"/>
+                </a:lnSpc>
+                <a:spcBef>
+                  <a:spcPts val="0"/>
+                </a:spcBef>
+                <a:spcAft>
+                  <a:spcPts val="0"/>
+                </a:spcAft>
+                <a:buClr>
+                  <a:srgbClr val="000000"/>
+                </a:buClr>
+                <a:buSzPts val="1400"/>
+                <a:buFont typeface="Arial"/>
+                <a:buNone/>
+                <a:defRPr sz="1800" b="0" i="0" u="none" strike="noStrike" cap="none">
+                  <a:solidFill>
+                    <a:srgbClr val="000000"/>
+                  </a:solidFill>
+                  <a:latin typeface="Arial"/>
+                  <a:ea typeface="Arial"/>
+                  <a:cs typeface="Arial"/>
+                  <a:sym typeface="Arial"/>
+                </a:defRPr>
+              </a:lvl9pPr>
+            </a:lstStyle>
+            <a:p>
+              <a:r>
+                <a:rPr lang="es-ES" sz="2000" b="1" dirty="0">
+                  <a:latin typeface="CMU Serif" panose="02000603000000000000" pitchFamily="2" charset="0"/>
+                  <a:ea typeface="CMU Serif" panose="02000603000000000000" pitchFamily="2" charset="0"/>
+                  <a:cs typeface="CMU Serif" panose="02000603000000000000" pitchFamily="2" charset="0"/>
+                </a:rPr>
+                <a:t>Datos</a:t>
+              </a:r>
+              <a:endParaRPr lang="es-CL" sz="2000" b="1" dirty="0">
+                <a:latin typeface="CMU Serif" panose="02000603000000000000" pitchFamily="2" charset="0"/>
+                <a:ea typeface="CMU Serif" panose="02000603000000000000" pitchFamily="2" charset="0"/>
+                <a:cs typeface="CMU Serif" panose="02000603000000000000" pitchFamily="2" charset="0"/>
+              </a:endParaRPr>
+            </a:p>
+          </p:txBody>
+        </p:sp>
+        <p:sp>
+          <p:nvSpPr>
+            <p:cNvPr id="63" name="Título 1">
+              <a:extLst>
+                <a:ext uri="{FF2B5EF4-FFF2-40B4-BE49-F238E27FC236}">
+                  <a16:creationId xmlns:a16="http://schemas.microsoft.com/office/drawing/2014/main" id="{D2334B0A-8CD4-4A1B-8F3F-DA224BAAC0B5}"/>
+                </a:ext>
+              </a:extLst>
+            </p:cNvPr>
+            <p:cNvSpPr txBox="1">
+              <a:spLocks/>
+            </p:cNvSpPr>
+            <p:nvPr/>
+          </p:nvSpPr>
+          <p:spPr>
+            <a:xfrm>
+              <a:off x="4968039" y="3629565"/>
+              <a:ext cx="2174285" cy="593268"/>
+            </a:xfrm>
+            <a:prstGeom prst="rect">
+              <a:avLst/>
+            </a:prstGeom>
+            <a:solidFill>
+              <a:srgbClr val="33CCFF">
+                <a:alpha val="50000"/>
+              </a:srgbClr>
+            </a:solidFill>
+            <a:ln>
+              <a:noFill/>
+            </a:ln>
+          </p:spPr>
+          <p:txBody>
+            <a:bodyPr spcFirstLastPara="1" wrap="square" lIns="60950" tIns="30467" rIns="60950" bIns="30467" anchor="ctr" anchorCtr="0">
+              <a:noAutofit/>
+            </a:bodyPr>
+            <a:lstStyle>
+              <a:defPPr marR="0" lvl="0" algn="l" rtl="0">
+                <a:lnSpc>
+                  <a:spcPct val="100000"/>
+                </a:lnSpc>
+                <a:spcBef>
+                  <a:spcPts val="0"/>
+                </a:spcBef>
+                <a:spcAft>
+                  <a:spcPts val="0"/>
+                </a:spcAft>
+              </a:defPPr>
+              <a:lvl1pPr marR="0" lvl="0" algn="ctr" rtl="0">
+                <a:lnSpc>
+                  <a:spcPct val="100000"/>
+                </a:lnSpc>
+                <a:spcBef>
+                  <a:spcPts val="0"/>
+                </a:spcBef>
+                <a:spcAft>
+                  <a:spcPts val="0"/>
+                </a:spcAft>
+                <a:buClr>
+                  <a:schemeClr val="dk1"/>
+                </a:buClr>
+                <a:buSzPts val="1800"/>
+                <a:buFont typeface="Calibri"/>
+                <a:buNone/>
+                <a:defRPr sz="4400" b="0" i="0" u="none" strike="noStrike" cap="none">
+                  <a:solidFill>
+                    <a:schemeClr val="dk1"/>
+                  </a:solidFill>
+                  <a:latin typeface="Calibri"/>
+                  <a:ea typeface="Calibri"/>
+                  <a:cs typeface="Calibri"/>
+                  <a:sym typeface="Calibri"/>
+                </a:defRPr>
+              </a:lvl1pPr>
+              <a:lvl2pPr marR="0" lvl="1" algn="l" rtl="0">
+                <a:lnSpc>
+                  <a:spcPct val="100000"/>
+                </a:lnSpc>
+                <a:spcBef>
+                  <a:spcPts val="0"/>
+                </a:spcBef>
+                <a:spcAft>
+                  <a:spcPts val="0"/>
+                </a:spcAft>
+                <a:buClr>
+                  <a:srgbClr val="000000"/>
+                </a:buClr>
+                <a:buSzPts val="1400"/>
+                <a:buFont typeface="Arial"/>
+                <a:buNone/>
+                <a:defRPr sz="1800" b="0" i="0" u="none" strike="noStrike" cap="none">
+                  <a:solidFill>
+                    <a:srgbClr val="000000"/>
+                  </a:solidFill>
+                  <a:latin typeface="Arial"/>
+                  <a:ea typeface="Arial"/>
+                  <a:cs typeface="Arial"/>
+                  <a:sym typeface="Arial"/>
+                </a:defRPr>
+              </a:lvl2pPr>
+              <a:lvl3pPr marR="0" lvl="2" algn="l" rtl="0">
+                <a:lnSpc>
+                  <a:spcPct val="100000"/>
+                </a:lnSpc>
+                <a:spcBef>
+                  <a:spcPts val="0"/>
+                </a:spcBef>
+                <a:spcAft>
+                  <a:spcPts val="0"/>
+                </a:spcAft>
+                <a:buClr>
+                  <a:srgbClr val="000000"/>
+                </a:buClr>
+                <a:buSzPts val="1400"/>
+                <a:buFont typeface="Arial"/>
+                <a:buNone/>
+                <a:defRPr sz="1800" b="0" i="0" u="none" strike="noStrike" cap="none">
+                  <a:solidFill>
+                    <a:srgbClr val="000000"/>
+                  </a:solidFill>
+                  <a:latin typeface="Arial"/>
+                  <a:ea typeface="Arial"/>
+                  <a:cs typeface="Arial"/>
+                  <a:sym typeface="Arial"/>
+                </a:defRPr>
+              </a:lvl3pPr>
+              <a:lvl4pPr marR="0" lvl="3" algn="l" rtl="0">
+                <a:lnSpc>
+                  <a:spcPct val="100000"/>
+                </a:lnSpc>
+                <a:spcBef>
+                  <a:spcPts val="0"/>
+                </a:spcBef>
+                <a:spcAft>
+                  <a:spcPts val="0"/>
+                </a:spcAft>
+                <a:buClr>
+                  <a:srgbClr val="000000"/>
+                </a:buClr>
+                <a:buSzPts val="1400"/>
+                <a:buFont typeface="Arial"/>
+                <a:buNone/>
+                <a:defRPr sz="1800" b="0" i="0" u="none" strike="noStrike" cap="none">
+                  <a:solidFill>
+                    <a:srgbClr val="000000"/>
+                  </a:solidFill>
+                  <a:latin typeface="Arial"/>
+                  <a:ea typeface="Arial"/>
+                  <a:cs typeface="Arial"/>
+                  <a:sym typeface="Arial"/>
+                </a:defRPr>
+              </a:lvl4pPr>
+              <a:lvl5pPr marR="0" lvl="4" algn="l" rtl="0">
+                <a:lnSpc>
+                  <a:spcPct val="100000"/>
+                </a:lnSpc>
+                <a:spcBef>
+                  <a:spcPts val="0"/>
+                </a:spcBef>
+                <a:spcAft>
+                  <a:spcPts val="0"/>
+                </a:spcAft>
+                <a:buClr>
+                  <a:srgbClr val="000000"/>
+                </a:buClr>
+                <a:buSzPts val="1400"/>
+                <a:buFont typeface="Arial"/>
+                <a:buNone/>
+                <a:defRPr sz="1800" b="0" i="0" u="none" strike="noStrike" cap="none">
+                  <a:solidFill>
+                    <a:srgbClr val="000000"/>
+                  </a:solidFill>
+                  <a:latin typeface="Arial"/>
+                  <a:ea typeface="Arial"/>
+                  <a:cs typeface="Arial"/>
+                  <a:sym typeface="Arial"/>
+                </a:defRPr>
+              </a:lvl5pPr>
+              <a:lvl6pPr marR="0" lvl="5" algn="l" rtl="0">
+                <a:lnSpc>
+                  <a:spcPct val="100000"/>
+                </a:lnSpc>
+                <a:spcBef>
+                  <a:spcPts val="0"/>
+                </a:spcBef>
+                <a:spcAft>
+                  <a:spcPts val="0"/>
+                </a:spcAft>
+                <a:buClr>
+                  <a:srgbClr val="000000"/>
+                </a:buClr>
+                <a:buSzPts val="1400"/>
+                <a:buFont typeface="Arial"/>
+                <a:buNone/>
+                <a:defRPr sz="1800" b="0" i="0" u="none" strike="noStrike" cap="none">
+                  <a:solidFill>
+                    <a:srgbClr val="000000"/>
+                  </a:solidFill>
+                  <a:latin typeface="Arial"/>
+                  <a:ea typeface="Arial"/>
+                  <a:cs typeface="Arial"/>
+                  <a:sym typeface="Arial"/>
+                </a:defRPr>
+              </a:lvl6pPr>
+              <a:lvl7pPr marR="0" lvl="6" algn="l" rtl="0">
+                <a:lnSpc>
+                  <a:spcPct val="100000"/>
+                </a:lnSpc>
+                <a:spcBef>
+                  <a:spcPts val="0"/>
+                </a:spcBef>
+                <a:spcAft>
+                  <a:spcPts val="0"/>
+                </a:spcAft>
+                <a:buClr>
+                  <a:srgbClr val="000000"/>
+                </a:buClr>
+                <a:buSzPts val="1400"/>
+                <a:buFont typeface="Arial"/>
+                <a:buNone/>
+                <a:defRPr sz="1800" b="0" i="0" u="none" strike="noStrike" cap="none">
+                  <a:solidFill>
+                    <a:srgbClr val="000000"/>
+                  </a:solidFill>
+                  <a:latin typeface="Arial"/>
+                  <a:ea typeface="Arial"/>
+                  <a:cs typeface="Arial"/>
+                  <a:sym typeface="Arial"/>
+                </a:defRPr>
+              </a:lvl7pPr>
+              <a:lvl8pPr marR="0" lvl="7" algn="l" rtl="0">
+                <a:lnSpc>
+                  <a:spcPct val="100000"/>
+                </a:lnSpc>
+                <a:spcBef>
+                  <a:spcPts val="0"/>
+                </a:spcBef>
+                <a:spcAft>
+                  <a:spcPts val="0"/>
+                </a:spcAft>
+                <a:buClr>
+                  <a:srgbClr val="000000"/>
+                </a:buClr>
+                <a:buSzPts val="1400"/>
+                <a:buFont typeface="Arial"/>
+                <a:buNone/>
+                <a:defRPr sz="1800" b="0" i="0" u="none" strike="noStrike" cap="none">
+                  <a:solidFill>
+                    <a:srgbClr val="000000"/>
+                  </a:solidFill>
+                  <a:latin typeface="Arial"/>
+                  <a:ea typeface="Arial"/>
+                  <a:cs typeface="Arial"/>
+                  <a:sym typeface="Arial"/>
+                </a:defRPr>
+              </a:lvl8pPr>
+              <a:lvl9pPr marR="0" lvl="8" algn="l" rtl="0">
+                <a:lnSpc>
+                  <a:spcPct val="100000"/>
+                </a:lnSpc>
+                <a:spcBef>
+                  <a:spcPts val="0"/>
+                </a:spcBef>
+                <a:spcAft>
+                  <a:spcPts val="0"/>
+                </a:spcAft>
+                <a:buClr>
+                  <a:srgbClr val="000000"/>
+                </a:buClr>
+                <a:buSzPts val="1400"/>
+                <a:buFont typeface="Arial"/>
+                <a:buNone/>
+                <a:defRPr sz="1800" b="0" i="0" u="none" strike="noStrike" cap="none">
+                  <a:solidFill>
+                    <a:srgbClr val="000000"/>
+                  </a:solidFill>
+                  <a:latin typeface="Arial"/>
+                  <a:ea typeface="Arial"/>
+                  <a:cs typeface="Arial"/>
+                  <a:sym typeface="Arial"/>
+                </a:defRPr>
+              </a:lvl9pPr>
+            </a:lstStyle>
+            <a:p>
+              <a:r>
+                <a:rPr lang="es-CL" sz="2000" dirty="0">
+                  <a:solidFill>
+                    <a:schemeClr val="tx1"/>
+                  </a:solidFill>
+                  <a:latin typeface="CMU Serif" panose="02000603000000000000" pitchFamily="2" charset="0"/>
+                  <a:ea typeface="CMU Serif" panose="02000603000000000000" pitchFamily="2" charset="0"/>
+                  <a:cs typeface="CMU Serif" panose="02000603000000000000" pitchFamily="2" charset="0"/>
+                </a:rPr>
+                <a:t>Entrenamiento</a:t>
+              </a:r>
+            </a:p>
+            <a:p>
+              <a:r>
+                <a:rPr lang="es-CL" sz="2000" dirty="0">
+                  <a:solidFill>
+                    <a:schemeClr val="tx1"/>
+                  </a:solidFill>
+                  <a:latin typeface="CMU Serif" panose="02000603000000000000" pitchFamily="2" charset="0"/>
+                  <a:ea typeface="CMU Serif" panose="02000603000000000000" pitchFamily="2" charset="0"/>
+                  <a:cs typeface="CMU Serif" panose="02000603000000000000" pitchFamily="2" charset="0"/>
+                </a:rPr>
+                <a:t>múltiples modelos </a:t>
+              </a:r>
+            </a:p>
+          </p:txBody>
+        </p:sp>
+        <p:cxnSp>
+          <p:nvCxnSpPr>
+            <p:cNvPr id="65" name="Conector: angular 64">
+              <a:extLst>
+                <a:ext uri="{FF2B5EF4-FFF2-40B4-BE49-F238E27FC236}">
+                  <a16:creationId xmlns:a16="http://schemas.microsoft.com/office/drawing/2014/main" id="{9FD73A33-88BD-41B7-80CE-563B2090141E}"/>
+                </a:ext>
+              </a:extLst>
+            </p:cNvPr>
+            <p:cNvCxnSpPr>
+              <a:cxnSpLocks/>
+              <a:stCxn id="62" idx="3"/>
+              <a:endCxn id="60" idx="1"/>
+            </p:cNvCxnSpPr>
+            <p:nvPr/>
+          </p:nvCxnSpPr>
+          <p:spPr>
+            <a:xfrm>
+              <a:off x="1791479" y="3926072"/>
+              <a:ext cx="504199" cy="975"/>
+            </a:xfrm>
+            <a:prstGeom prst="bentConnector3">
+              <a:avLst/>
+            </a:prstGeom>
+            <a:ln w="25400">
+              <a:solidFill>
+                <a:schemeClr val="accent1">
+                  <a:shade val="95000"/>
+                  <a:satMod val="105000"/>
+                  <a:alpha val="84000"/>
+                </a:schemeClr>
+              </a:solidFill>
+              <a:tailEnd type="triangle" w="lg" len="med"/>
+            </a:ln>
+          </p:spPr>
+          <p:style>
+            <a:lnRef idx="1">
+              <a:schemeClr val="accent1"/>
+            </a:lnRef>
+            <a:fillRef idx="0">
+              <a:schemeClr val="accent1"/>
+            </a:fillRef>
+            <a:effectRef idx="0">
+              <a:schemeClr val="accent1"/>
+            </a:effectRef>
+            <a:fontRef idx="minor">
+              <a:schemeClr val="tx1"/>
+            </a:fontRef>
+          </p:style>
+        </p:cxnSp>
+        <p:cxnSp>
+          <p:nvCxnSpPr>
+            <p:cNvPr id="66" name="Conector: angular 65">
+              <a:extLst>
+                <a:ext uri="{FF2B5EF4-FFF2-40B4-BE49-F238E27FC236}">
+                  <a16:creationId xmlns:a16="http://schemas.microsoft.com/office/drawing/2014/main" id="{1AC3190F-68F3-4192-A9DA-1A7F12D8AFBA}"/>
+                </a:ext>
+              </a:extLst>
+            </p:cNvPr>
+            <p:cNvCxnSpPr>
+              <a:cxnSpLocks/>
+              <a:stCxn id="63" idx="2"/>
+              <a:endCxn id="17" idx="0"/>
+            </p:cNvCxnSpPr>
+            <p:nvPr/>
+          </p:nvCxnSpPr>
+          <p:spPr>
+            <a:xfrm rot="16200000" flipH="1">
+              <a:off x="5908842" y="4369172"/>
+              <a:ext cx="293548" cy="869"/>
+            </a:xfrm>
+            <a:prstGeom prst="bentConnector3">
+              <a:avLst>
+                <a:gd name="adj1" fmla="val 50000"/>
+              </a:avLst>
+            </a:prstGeom>
+            <a:ln w="25400">
+              <a:solidFill>
+                <a:schemeClr val="accent1">
+                  <a:shade val="95000"/>
+                  <a:satMod val="105000"/>
+                  <a:alpha val="84000"/>
+                </a:schemeClr>
+              </a:solidFill>
+              <a:tailEnd type="triangle" w="lg" len="med"/>
+            </a:ln>
+          </p:spPr>
+          <p:style>
+            <a:lnRef idx="1">
+              <a:schemeClr val="accent1"/>
+            </a:lnRef>
+            <a:fillRef idx="0">
+              <a:schemeClr val="accent1"/>
+            </a:fillRef>
+            <a:effectRef idx="0">
+              <a:schemeClr val="accent1"/>
+            </a:effectRef>
+            <a:fontRef idx="minor">
+              <a:schemeClr val="tx1"/>
+            </a:fontRef>
+          </p:style>
+        </p:cxnSp>
+        <p:cxnSp>
+          <p:nvCxnSpPr>
+            <p:cNvPr id="72" name="Conector: angular 71">
+              <a:extLst>
+                <a:ext uri="{FF2B5EF4-FFF2-40B4-BE49-F238E27FC236}">
+                  <a16:creationId xmlns:a16="http://schemas.microsoft.com/office/drawing/2014/main" id="{9105A29B-D81C-46A8-8A7E-C0E95D1E8D7D}"/>
+                </a:ext>
+              </a:extLst>
+            </p:cNvPr>
+            <p:cNvCxnSpPr>
+              <a:cxnSpLocks/>
+              <a:stCxn id="60" idx="3"/>
+              <a:endCxn id="63" idx="1"/>
+            </p:cNvCxnSpPr>
+            <p:nvPr/>
+          </p:nvCxnSpPr>
+          <p:spPr>
+            <a:xfrm flipV="1">
+              <a:off x="4491611" y="3926199"/>
+              <a:ext cx="476428" cy="848"/>
+            </a:xfrm>
+            <a:prstGeom prst="bentConnector3">
+              <a:avLst/>
+            </a:prstGeom>
+            <a:ln w="25400">
+              <a:solidFill>
+                <a:schemeClr val="accent1">
+                  <a:shade val="95000"/>
+                  <a:satMod val="105000"/>
+                  <a:alpha val="84000"/>
+                </a:schemeClr>
+              </a:solidFill>
+              <a:tailEnd type="triangle" w="lg" len="med"/>
+            </a:ln>
+          </p:spPr>
+          <p:style>
+            <a:lnRef idx="1">
+              <a:schemeClr val="accent1"/>
+            </a:lnRef>
+            <a:fillRef idx="0">
+              <a:schemeClr val="accent1"/>
+            </a:fillRef>
+            <a:effectRef idx="0">
+              <a:schemeClr val="accent1"/>
+            </a:effectRef>
+            <a:fontRef idx="minor">
+              <a:schemeClr val="tx1"/>
+            </a:fontRef>
+          </p:style>
+        </p:cxnSp>
+        <p:sp>
+          <p:nvSpPr>
+            <p:cNvPr id="74" name="Título 1">
+              <a:extLst>
+                <a:ext uri="{FF2B5EF4-FFF2-40B4-BE49-F238E27FC236}">
+                  <a16:creationId xmlns:a16="http://schemas.microsoft.com/office/drawing/2014/main" id="{9EFC7A47-4D40-4EFC-812C-69F8E61FEA57}"/>
+                </a:ext>
+              </a:extLst>
+            </p:cNvPr>
+            <p:cNvSpPr txBox="1">
+              <a:spLocks/>
+            </p:cNvSpPr>
+            <p:nvPr/>
+          </p:nvSpPr>
+          <p:spPr>
+            <a:xfrm>
+              <a:off x="9861250" y="3618732"/>
+              <a:ext cx="1780457" cy="613827"/>
+            </a:xfrm>
+            <a:prstGeom prst="rect">
+              <a:avLst/>
+            </a:prstGeom>
+            <a:solidFill>
+              <a:srgbClr val="FFC000">
+                <a:alpha val="50000"/>
+              </a:srgbClr>
+            </a:solidFill>
+            <a:ln>
+              <a:noFill/>
+            </a:ln>
+          </p:spPr>
+          <p:txBody>
+            <a:bodyPr spcFirstLastPara="1" wrap="square" lIns="60950" tIns="30467" rIns="60950" bIns="30467" anchor="ctr" anchorCtr="0">
+              <a:noAutofit/>
+            </a:bodyPr>
+            <a:lstStyle>
+              <a:defPPr marR="0" lvl="0" algn="l" rtl="0">
+                <a:lnSpc>
+                  <a:spcPct val="100000"/>
+                </a:lnSpc>
+                <a:spcBef>
+                  <a:spcPts val="0"/>
+                </a:spcBef>
+                <a:spcAft>
+                  <a:spcPts val="0"/>
+                </a:spcAft>
+              </a:defPPr>
+              <a:lvl1pPr marR="0" lvl="0" algn="ctr" rtl="0">
+                <a:lnSpc>
+                  <a:spcPct val="100000"/>
+                </a:lnSpc>
+                <a:spcBef>
+                  <a:spcPts val="0"/>
+                </a:spcBef>
+                <a:spcAft>
+                  <a:spcPts val="0"/>
+                </a:spcAft>
+                <a:buClr>
+                  <a:schemeClr val="dk1"/>
+                </a:buClr>
+                <a:buSzPts val="1800"/>
+                <a:buFont typeface="Calibri"/>
+                <a:buNone/>
+                <a:defRPr sz="4400" b="0" i="0" u="none" strike="noStrike" cap="none">
+                  <a:solidFill>
+                    <a:schemeClr val="dk1"/>
+                  </a:solidFill>
+                  <a:latin typeface="Calibri"/>
+                  <a:ea typeface="Calibri"/>
+                  <a:cs typeface="Calibri"/>
+                  <a:sym typeface="Calibri"/>
+                </a:defRPr>
+              </a:lvl1pPr>
+              <a:lvl2pPr marR="0" lvl="1" algn="l" rtl="0">
+                <a:lnSpc>
+                  <a:spcPct val="100000"/>
+                </a:lnSpc>
+                <a:spcBef>
+                  <a:spcPts val="0"/>
+                </a:spcBef>
+                <a:spcAft>
+                  <a:spcPts val="0"/>
+                </a:spcAft>
+                <a:buClr>
+                  <a:srgbClr val="000000"/>
+                </a:buClr>
+                <a:buSzPts val="1400"/>
+                <a:buFont typeface="Arial"/>
+                <a:buNone/>
+                <a:defRPr sz="1800" b="0" i="0" u="none" strike="noStrike" cap="none">
+                  <a:solidFill>
+                    <a:srgbClr val="000000"/>
+                  </a:solidFill>
+                  <a:latin typeface="Arial"/>
+                  <a:ea typeface="Arial"/>
+                  <a:cs typeface="Arial"/>
+                  <a:sym typeface="Arial"/>
+                </a:defRPr>
+              </a:lvl2pPr>
+              <a:lvl3pPr marR="0" lvl="2" algn="l" rtl="0">
+                <a:lnSpc>
+                  <a:spcPct val="100000"/>
+                </a:lnSpc>
+                <a:spcBef>
+                  <a:spcPts val="0"/>
+                </a:spcBef>
+                <a:spcAft>
+                  <a:spcPts val="0"/>
+                </a:spcAft>
+                <a:buClr>
+                  <a:srgbClr val="000000"/>
+                </a:buClr>
+                <a:buSzPts val="1400"/>
+                <a:buFont typeface="Arial"/>
+                <a:buNone/>
+                <a:defRPr sz="1800" b="0" i="0" u="none" strike="noStrike" cap="none">
+                  <a:solidFill>
+                    <a:srgbClr val="000000"/>
+                  </a:solidFill>
+                  <a:latin typeface="Arial"/>
+                  <a:ea typeface="Arial"/>
+                  <a:cs typeface="Arial"/>
+                  <a:sym typeface="Arial"/>
+                </a:defRPr>
+              </a:lvl3pPr>
+              <a:lvl4pPr marR="0" lvl="3" algn="l" rtl="0">
+                <a:lnSpc>
+                  <a:spcPct val="100000"/>
+                </a:lnSpc>
+                <a:spcBef>
+                  <a:spcPts val="0"/>
+                </a:spcBef>
+                <a:spcAft>
+                  <a:spcPts val="0"/>
+                </a:spcAft>
+                <a:buClr>
+                  <a:srgbClr val="000000"/>
+                </a:buClr>
+                <a:buSzPts val="1400"/>
+                <a:buFont typeface="Arial"/>
+                <a:buNone/>
+                <a:defRPr sz="1800" b="0" i="0" u="none" strike="noStrike" cap="none">
+                  <a:solidFill>
+                    <a:srgbClr val="000000"/>
+                  </a:solidFill>
+                  <a:latin typeface="Arial"/>
+                  <a:ea typeface="Arial"/>
+                  <a:cs typeface="Arial"/>
+                  <a:sym typeface="Arial"/>
+                </a:defRPr>
+              </a:lvl4pPr>
+              <a:lvl5pPr marR="0" lvl="4" algn="l" rtl="0">
+                <a:lnSpc>
+                  <a:spcPct val="100000"/>
+                </a:lnSpc>
+                <a:spcBef>
+                  <a:spcPts val="0"/>
+                </a:spcBef>
+                <a:spcAft>
+                  <a:spcPts val="0"/>
+                </a:spcAft>
+                <a:buClr>
+                  <a:srgbClr val="000000"/>
+                </a:buClr>
+                <a:buSzPts val="1400"/>
+                <a:buFont typeface="Arial"/>
+                <a:buNone/>
+                <a:defRPr sz="1800" b="0" i="0" u="none" strike="noStrike" cap="none">
+                  <a:solidFill>
+                    <a:srgbClr val="000000"/>
+                  </a:solidFill>
+                  <a:latin typeface="Arial"/>
+                  <a:ea typeface="Arial"/>
+                  <a:cs typeface="Arial"/>
+                  <a:sym typeface="Arial"/>
+                </a:defRPr>
+              </a:lvl5pPr>
+              <a:lvl6pPr marR="0" lvl="5" algn="l" rtl="0">
+                <a:lnSpc>
+                  <a:spcPct val="100000"/>
+                </a:lnSpc>
+                <a:spcBef>
+                  <a:spcPts val="0"/>
+                </a:spcBef>
+                <a:spcAft>
+                  <a:spcPts val="0"/>
+                </a:spcAft>
+                <a:buClr>
+                  <a:srgbClr val="000000"/>
+                </a:buClr>
+                <a:buSzPts val="1400"/>
+                <a:buFont typeface="Arial"/>
+                <a:buNone/>
+                <a:defRPr sz="1800" b="0" i="0" u="none" strike="noStrike" cap="none">
+                  <a:solidFill>
+                    <a:srgbClr val="000000"/>
+                  </a:solidFill>
+                  <a:latin typeface="Arial"/>
+                  <a:ea typeface="Arial"/>
+                  <a:cs typeface="Arial"/>
+                  <a:sym typeface="Arial"/>
+                </a:defRPr>
+              </a:lvl6pPr>
+              <a:lvl7pPr marR="0" lvl="6" algn="l" rtl="0">
+                <a:lnSpc>
+                  <a:spcPct val="100000"/>
+                </a:lnSpc>
+                <a:spcBef>
+                  <a:spcPts val="0"/>
+                </a:spcBef>
+                <a:spcAft>
+                  <a:spcPts val="0"/>
+                </a:spcAft>
+                <a:buClr>
+                  <a:srgbClr val="000000"/>
+                </a:buClr>
+                <a:buSzPts val="1400"/>
+                <a:buFont typeface="Arial"/>
+                <a:buNone/>
+                <a:defRPr sz="1800" b="0" i="0" u="none" strike="noStrike" cap="none">
+                  <a:solidFill>
+                    <a:srgbClr val="000000"/>
+                  </a:solidFill>
+                  <a:latin typeface="Arial"/>
+                  <a:ea typeface="Arial"/>
+                  <a:cs typeface="Arial"/>
+                  <a:sym typeface="Arial"/>
+                </a:defRPr>
+              </a:lvl7pPr>
+              <a:lvl8pPr marR="0" lvl="7" algn="l" rtl="0">
+                <a:lnSpc>
+                  <a:spcPct val="100000"/>
+                </a:lnSpc>
+                <a:spcBef>
+                  <a:spcPts val="0"/>
+                </a:spcBef>
+                <a:spcAft>
+                  <a:spcPts val="0"/>
+                </a:spcAft>
+                <a:buClr>
+                  <a:srgbClr val="000000"/>
+                </a:buClr>
+                <a:buSzPts val="1400"/>
+                <a:buFont typeface="Arial"/>
+                <a:buNone/>
+                <a:defRPr sz="1800" b="0" i="0" u="none" strike="noStrike" cap="none">
+                  <a:solidFill>
+                    <a:srgbClr val="000000"/>
+                  </a:solidFill>
+                  <a:latin typeface="Arial"/>
+                  <a:ea typeface="Arial"/>
+                  <a:cs typeface="Arial"/>
+                  <a:sym typeface="Arial"/>
+                </a:defRPr>
+              </a:lvl8pPr>
+              <a:lvl9pPr marR="0" lvl="8" algn="l" rtl="0">
+                <a:lnSpc>
+                  <a:spcPct val="100000"/>
+                </a:lnSpc>
+                <a:spcBef>
+                  <a:spcPts val="0"/>
+                </a:spcBef>
+                <a:spcAft>
+                  <a:spcPts val="0"/>
+                </a:spcAft>
+                <a:buClr>
+                  <a:srgbClr val="000000"/>
+                </a:buClr>
+                <a:buSzPts val="1400"/>
+                <a:buFont typeface="Arial"/>
+                <a:buNone/>
+                <a:defRPr sz="1800" b="0" i="0" u="none" strike="noStrike" cap="none">
+                  <a:solidFill>
+                    <a:srgbClr val="000000"/>
+                  </a:solidFill>
+                  <a:latin typeface="Arial"/>
+                  <a:ea typeface="Arial"/>
+                  <a:cs typeface="Arial"/>
+                  <a:sym typeface="Arial"/>
+                </a:defRPr>
+              </a:lvl9pPr>
+            </a:lstStyle>
+            <a:p>
+              <a:r>
+                <a:rPr lang="es-ES" sz="2000" b="1" dirty="0">
+                  <a:latin typeface="CMU Serif" panose="02000603000000000000" pitchFamily="2" charset="0"/>
+                  <a:ea typeface="CMU Serif" panose="02000603000000000000" pitchFamily="2" charset="0"/>
+                  <a:cs typeface="CMU Serif" panose="02000603000000000000" pitchFamily="2" charset="0"/>
+                </a:rPr>
+                <a:t>Resultados</a:t>
+              </a:r>
+            </a:p>
+            <a:p>
+              <a:r>
+                <a:rPr lang="es-ES" sz="2000" b="1" dirty="0">
+                  <a:latin typeface="CMU Serif" panose="02000603000000000000" pitchFamily="2" charset="0"/>
+                  <a:ea typeface="CMU Serif" panose="02000603000000000000" pitchFamily="2" charset="0"/>
+                  <a:cs typeface="CMU Serif" panose="02000603000000000000" pitchFamily="2" charset="0"/>
+                </a:rPr>
+                <a:t>detección</a:t>
+              </a:r>
+              <a:endParaRPr lang="es-CL" sz="2000" b="1" dirty="0">
+                <a:latin typeface="CMU Serif" panose="02000603000000000000" pitchFamily="2" charset="0"/>
+                <a:ea typeface="CMU Serif" panose="02000603000000000000" pitchFamily="2" charset="0"/>
+                <a:cs typeface="CMU Serif" panose="02000603000000000000" pitchFamily="2" charset="0"/>
+              </a:endParaRPr>
+            </a:p>
+          </p:txBody>
+        </p:sp>
+      </p:grpSp>
+      <p:sp>
+        <p:nvSpPr>
+          <p:cNvPr id="17" name="Título 1">
+            <a:extLst>
+              <a:ext uri="{FF2B5EF4-FFF2-40B4-BE49-F238E27FC236}">
+                <a16:creationId xmlns:a16="http://schemas.microsoft.com/office/drawing/2014/main" id="{A355B9D1-F2BA-C2A0-74B0-7160E8D70595}"/>
+              </a:ext>
+            </a:extLst>
+          </p:cNvPr>
+          <p:cNvSpPr txBox="1">
+            <a:spLocks/>
+          </p:cNvSpPr>
+          <p:nvPr/>
+        </p:nvSpPr>
+        <p:spPr>
+          <a:xfrm>
+            <a:off x="4968912" y="3164714"/>
+            <a:ext cx="2174285" cy="909445"/>
+          </a:xfrm>
+          <a:prstGeom prst="rect">
+            <a:avLst/>
+          </a:prstGeom>
+          <a:solidFill>
+            <a:srgbClr val="33CCFF">
+              <a:alpha val="50000"/>
+            </a:srgbClr>
+          </a:solidFill>
+          <a:ln>
+            <a:noFill/>
+          </a:ln>
+        </p:spPr>
+        <p:txBody>
+          <a:bodyPr spcFirstLastPara="1" wrap="square" lIns="60950" tIns="30467" rIns="60950" bIns="30467" anchor="ctr" anchorCtr="0">
+            <a:noAutofit/>
+          </a:bodyPr>
+          <a:lstStyle>
+            <a:defPPr marR="0" lvl="0" algn="l" rtl="0">
+              <a:lnSpc>
+                <a:spcPct val="100000"/>
+              </a:lnSpc>
+              <a:spcBef>
+                <a:spcPts val="0"/>
+              </a:spcBef>
+              <a:spcAft>
+                <a:spcPts val="0"/>
+              </a:spcAft>
+            </a:defPPr>
+            <a:lvl1pPr marR="0" lvl="0" algn="ctr" rtl="0">
+              <a:lnSpc>
+                <a:spcPct val="100000"/>
+              </a:lnSpc>
+              <a:spcBef>
+                <a:spcPts val="0"/>
+              </a:spcBef>
+              <a:spcAft>
+                <a:spcPts val="0"/>
+              </a:spcAft>
+              <a:buClr>
+                <a:schemeClr val="dk1"/>
+              </a:buClr>
+              <a:buSzPts val="1800"/>
+              <a:buFont typeface="Calibri"/>
+              <a:buNone/>
+              <a:defRPr sz="4400" b="0" i="0" u="none" strike="noStrike" cap="none">
+                <a:solidFill>
+                  <a:schemeClr val="dk1"/>
+                </a:solidFill>
+                <a:latin typeface="Calibri"/>
+                <a:ea typeface="Calibri"/>
+                <a:cs typeface="Calibri"/>
+                <a:sym typeface="Calibri"/>
+              </a:defRPr>
+            </a:lvl1pPr>
+            <a:lvl2pPr marR="0" lvl="1" algn="l" rtl="0">
+              <a:lnSpc>
+                <a:spcPct val="100000"/>
+              </a:lnSpc>
+              <a:spcBef>
+                <a:spcPts val="0"/>
+              </a:spcBef>
+              <a:spcAft>
+                <a:spcPts val="0"/>
+              </a:spcAft>
+              <a:buClr>
+                <a:srgbClr val="000000"/>
+              </a:buClr>
+              <a:buSzPts val="1400"/>
+              <a:buFont typeface="Arial"/>
+              <a:buNone/>
+              <a:defRPr sz="1800" b="0" i="0" u="none" strike="noStrike" cap="none">
+                <a:solidFill>
+                  <a:srgbClr val="000000"/>
+                </a:solidFill>
+                <a:latin typeface="Arial"/>
+                <a:ea typeface="Arial"/>
+                <a:cs typeface="Arial"/>
+                <a:sym typeface="Arial"/>
+              </a:defRPr>
+            </a:lvl2pPr>
+            <a:lvl3pPr marR="0" lvl="2" algn="l" rtl="0">
+              <a:lnSpc>
+                <a:spcPct val="100000"/>
+              </a:lnSpc>
+              <a:spcBef>
+                <a:spcPts val="0"/>
+              </a:spcBef>
+              <a:spcAft>
+                <a:spcPts val="0"/>
+              </a:spcAft>
+              <a:buClr>
+                <a:srgbClr val="000000"/>
+              </a:buClr>
+              <a:buSzPts val="1400"/>
+              <a:buFont typeface="Arial"/>
+              <a:buNone/>
+              <a:defRPr sz="1800" b="0" i="0" u="none" strike="noStrike" cap="none">
+                <a:solidFill>
+                  <a:srgbClr val="000000"/>
+                </a:solidFill>
+                <a:latin typeface="Arial"/>
+                <a:ea typeface="Arial"/>
+                <a:cs typeface="Arial"/>
+                <a:sym typeface="Arial"/>
+              </a:defRPr>
+            </a:lvl3pPr>
+            <a:lvl4pPr marR="0" lvl="3" algn="l" rtl="0">
+              <a:lnSpc>
+                <a:spcPct val="100000"/>
+              </a:lnSpc>
+              <a:spcBef>
+                <a:spcPts val="0"/>
+              </a:spcBef>
+              <a:spcAft>
+                <a:spcPts val="0"/>
+              </a:spcAft>
+              <a:buClr>
+                <a:srgbClr val="000000"/>
+              </a:buClr>
+              <a:buSzPts val="1400"/>
+              <a:buFont typeface="Arial"/>
+              <a:buNone/>
+              <a:defRPr sz="1800" b="0" i="0" u="none" strike="noStrike" cap="none">
+                <a:solidFill>
+                  <a:srgbClr val="000000"/>
+                </a:solidFill>
+                <a:latin typeface="Arial"/>
+                <a:ea typeface="Arial"/>
+                <a:cs typeface="Arial"/>
+                <a:sym typeface="Arial"/>
+              </a:defRPr>
+            </a:lvl4pPr>
+            <a:lvl5pPr marR="0" lvl="4" algn="l" rtl="0">
+              <a:lnSpc>
+                <a:spcPct val="100000"/>
+              </a:lnSpc>
+              <a:spcBef>
+                <a:spcPts val="0"/>
+              </a:spcBef>
+              <a:spcAft>
+                <a:spcPts val="0"/>
+              </a:spcAft>
+              <a:buClr>
+                <a:srgbClr val="000000"/>
+              </a:buClr>
+              <a:buSzPts val="1400"/>
+              <a:buFont typeface="Arial"/>
+              <a:buNone/>
+              <a:defRPr sz="1800" b="0" i="0" u="none" strike="noStrike" cap="none">
+                <a:solidFill>
+                  <a:srgbClr val="000000"/>
+                </a:solidFill>
+                <a:latin typeface="Arial"/>
+                <a:ea typeface="Arial"/>
+                <a:cs typeface="Arial"/>
+                <a:sym typeface="Arial"/>
+              </a:defRPr>
+            </a:lvl5pPr>
+            <a:lvl6pPr marR="0" lvl="5" algn="l" rtl="0">
+              <a:lnSpc>
+                <a:spcPct val="100000"/>
+              </a:lnSpc>
+              <a:spcBef>
+                <a:spcPts val="0"/>
+              </a:spcBef>
+              <a:spcAft>
+                <a:spcPts val="0"/>
+              </a:spcAft>
+              <a:buClr>
+                <a:srgbClr val="000000"/>
+              </a:buClr>
+              <a:buSzPts val="1400"/>
+              <a:buFont typeface="Arial"/>
+              <a:buNone/>
+              <a:defRPr sz="1800" b="0" i="0" u="none" strike="noStrike" cap="none">
+                <a:solidFill>
+                  <a:srgbClr val="000000"/>
+                </a:solidFill>
+                <a:latin typeface="Arial"/>
+                <a:ea typeface="Arial"/>
+                <a:cs typeface="Arial"/>
+                <a:sym typeface="Arial"/>
+              </a:defRPr>
+            </a:lvl6pPr>
+            <a:lvl7pPr marR="0" lvl="6" algn="l" rtl="0">
+              <a:lnSpc>
+                <a:spcPct val="100000"/>
+              </a:lnSpc>
+              <a:spcBef>
+                <a:spcPts val="0"/>
+              </a:spcBef>
+              <a:spcAft>
+                <a:spcPts val="0"/>
+              </a:spcAft>
+              <a:buClr>
+                <a:srgbClr val="000000"/>
+              </a:buClr>
+              <a:buSzPts val="1400"/>
+              <a:buFont typeface="Arial"/>
+              <a:buNone/>
+              <a:defRPr sz="1800" b="0" i="0" u="none" strike="noStrike" cap="none">
+                <a:solidFill>
+                  <a:srgbClr val="000000"/>
+                </a:solidFill>
+                <a:latin typeface="Arial"/>
+                <a:ea typeface="Arial"/>
+                <a:cs typeface="Arial"/>
+                <a:sym typeface="Arial"/>
+              </a:defRPr>
+            </a:lvl7pPr>
+            <a:lvl8pPr marR="0" lvl="7" algn="l" rtl="0">
+              <a:lnSpc>
+                <a:spcPct val="100000"/>
+              </a:lnSpc>
+              <a:spcBef>
+                <a:spcPts val="0"/>
+              </a:spcBef>
+              <a:spcAft>
+                <a:spcPts val="0"/>
+              </a:spcAft>
+              <a:buClr>
+                <a:srgbClr val="000000"/>
+              </a:buClr>
+              <a:buSzPts val="1400"/>
+              <a:buFont typeface="Arial"/>
+              <a:buNone/>
+              <a:defRPr sz="1800" b="0" i="0" u="none" strike="noStrike" cap="none">
+                <a:solidFill>
+                  <a:srgbClr val="000000"/>
+                </a:solidFill>
+                <a:latin typeface="Arial"/>
+                <a:ea typeface="Arial"/>
+                <a:cs typeface="Arial"/>
+                <a:sym typeface="Arial"/>
+              </a:defRPr>
+            </a:lvl8pPr>
+            <a:lvl9pPr marR="0" lvl="8" algn="l" rtl="0">
+              <a:lnSpc>
+                <a:spcPct val="100000"/>
+              </a:lnSpc>
+              <a:spcBef>
+                <a:spcPts val="0"/>
+              </a:spcBef>
+              <a:spcAft>
+                <a:spcPts val="0"/>
+              </a:spcAft>
+              <a:buClr>
+                <a:srgbClr val="000000"/>
+              </a:buClr>
+              <a:buSzPts val="1400"/>
+              <a:buFont typeface="Arial"/>
+              <a:buNone/>
+              <a:defRPr sz="1800" b="0" i="0" u="none" strike="noStrike" cap="none">
+                <a:solidFill>
+                  <a:srgbClr val="000000"/>
+                </a:solidFill>
+                <a:latin typeface="Arial"/>
+                <a:ea typeface="Arial"/>
+                <a:cs typeface="Arial"/>
+                <a:sym typeface="Arial"/>
+              </a:defRPr>
+            </a:lvl9pPr>
+          </a:lstStyle>
+          <a:p>
+            <a:r>
+              <a:rPr lang="es-CL" sz="2000" dirty="0">
+                <a:solidFill>
+                  <a:schemeClr val="tx1"/>
+                </a:solidFill>
+                <a:latin typeface="CMU Serif" panose="02000603000000000000" pitchFamily="2" charset="0"/>
+                <a:ea typeface="CMU Serif" panose="02000603000000000000" pitchFamily="2" charset="0"/>
+                <a:cs typeface="CMU Serif" panose="02000603000000000000" pitchFamily="2" charset="0"/>
+              </a:rPr>
+              <a:t>Ensamble y apilamiento de modelos</a:t>
+            </a:r>
+          </a:p>
+        </p:txBody>
+      </p:sp>
+      <p:sp>
+        <p:nvSpPr>
+          <p:cNvPr id="24" name="Título 1">
+            <a:extLst>
+              <a:ext uri="{FF2B5EF4-FFF2-40B4-BE49-F238E27FC236}">
+                <a16:creationId xmlns:a16="http://schemas.microsoft.com/office/drawing/2014/main" id="{F9241815-F9E3-7F91-8192-9CDB98A6339A}"/>
+              </a:ext>
+            </a:extLst>
+          </p:cNvPr>
+          <p:cNvSpPr txBox="1">
+            <a:spLocks/>
+          </p:cNvSpPr>
+          <p:nvPr/>
+        </p:nvSpPr>
+        <p:spPr>
+          <a:xfrm>
+            <a:off x="7647160" y="2093625"/>
+            <a:ext cx="1780457" cy="880280"/>
+          </a:xfrm>
+          <a:prstGeom prst="rect">
+            <a:avLst/>
+          </a:prstGeom>
+          <a:solidFill>
+            <a:schemeClr val="accent2">
+              <a:alpha val="50000"/>
+            </a:schemeClr>
+          </a:solidFill>
+          <a:ln>
+            <a:noFill/>
+          </a:ln>
+        </p:spPr>
+        <p:txBody>
+          <a:bodyPr spcFirstLastPara="1" wrap="square" lIns="60950" tIns="30467" rIns="60950" bIns="30467" anchor="ctr" anchorCtr="0">
+            <a:noAutofit/>
+          </a:bodyPr>
+          <a:lstStyle>
+            <a:defPPr marR="0" lvl="0" algn="l" rtl="0">
+              <a:lnSpc>
+                <a:spcPct val="100000"/>
+              </a:lnSpc>
+              <a:spcBef>
+                <a:spcPts val="0"/>
+              </a:spcBef>
+              <a:spcAft>
+                <a:spcPts val="0"/>
+              </a:spcAft>
+            </a:defPPr>
+            <a:lvl1pPr marR="0" lvl="0" algn="ctr" rtl="0">
+              <a:lnSpc>
+                <a:spcPct val="100000"/>
+              </a:lnSpc>
+              <a:spcBef>
+                <a:spcPts val="0"/>
+              </a:spcBef>
+              <a:spcAft>
+                <a:spcPts val="0"/>
+              </a:spcAft>
+              <a:buClr>
+                <a:schemeClr val="dk1"/>
+              </a:buClr>
+              <a:buSzPts val="1800"/>
+              <a:buFont typeface="Calibri"/>
+              <a:buNone/>
+              <a:defRPr sz="4400" b="0" i="0" u="none" strike="noStrike" cap="none">
+                <a:solidFill>
+                  <a:schemeClr val="dk1"/>
+                </a:solidFill>
+                <a:latin typeface="Calibri"/>
+                <a:ea typeface="Calibri"/>
+                <a:cs typeface="Calibri"/>
+                <a:sym typeface="Calibri"/>
+              </a:defRPr>
+            </a:lvl1pPr>
+            <a:lvl2pPr marR="0" lvl="1" algn="l" rtl="0">
+              <a:lnSpc>
+                <a:spcPct val="100000"/>
+              </a:lnSpc>
+              <a:spcBef>
+                <a:spcPts val="0"/>
+              </a:spcBef>
+              <a:spcAft>
+                <a:spcPts val="0"/>
+              </a:spcAft>
+              <a:buClr>
+                <a:srgbClr val="000000"/>
+              </a:buClr>
+              <a:buSzPts val="1400"/>
+              <a:buFont typeface="Arial"/>
+              <a:buNone/>
+              <a:defRPr sz="1800" b="0" i="0" u="none" strike="noStrike" cap="none">
+                <a:solidFill>
+                  <a:srgbClr val="000000"/>
+                </a:solidFill>
+                <a:latin typeface="Arial"/>
+                <a:ea typeface="Arial"/>
+                <a:cs typeface="Arial"/>
+                <a:sym typeface="Arial"/>
+              </a:defRPr>
+            </a:lvl2pPr>
+            <a:lvl3pPr marR="0" lvl="2" algn="l" rtl="0">
+              <a:lnSpc>
+                <a:spcPct val="100000"/>
+              </a:lnSpc>
+              <a:spcBef>
+                <a:spcPts val="0"/>
+              </a:spcBef>
+              <a:spcAft>
+                <a:spcPts val="0"/>
+              </a:spcAft>
+              <a:buClr>
+                <a:srgbClr val="000000"/>
+              </a:buClr>
+              <a:buSzPts val="1400"/>
+              <a:buFont typeface="Arial"/>
+              <a:buNone/>
+              <a:defRPr sz="1800" b="0" i="0" u="none" strike="noStrike" cap="none">
+                <a:solidFill>
+                  <a:srgbClr val="000000"/>
+                </a:solidFill>
+                <a:latin typeface="Arial"/>
+                <a:ea typeface="Arial"/>
+                <a:cs typeface="Arial"/>
+                <a:sym typeface="Arial"/>
+              </a:defRPr>
+            </a:lvl3pPr>
+            <a:lvl4pPr marR="0" lvl="3" algn="l" rtl="0">
+              <a:lnSpc>
+                <a:spcPct val="100000"/>
+              </a:lnSpc>
+              <a:spcBef>
+                <a:spcPts val="0"/>
+              </a:spcBef>
+              <a:spcAft>
+                <a:spcPts val="0"/>
+              </a:spcAft>
+              <a:buClr>
+                <a:srgbClr val="000000"/>
+              </a:buClr>
+              <a:buSzPts val="1400"/>
+              <a:buFont typeface="Arial"/>
+              <a:buNone/>
+              <a:defRPr sz="1800" b="0" i="0" u="none" strike="noStrike" cap="none">
+                <a:solidFill>
+                  <a:srgbClr val="000000"/>
+                </a:solidFill>
+                <a:latin typeface="Arial"/>
+                <a:ea typeface="Arial"/>
+                <a:cs typeface="Arial"/>
+                <a:sym typeface="Arial"/>
+              </a:defRPr>
+            </a:lvl4pPr>
+            <a:lvl5pPr marR="0" lvl="4" algn="l" rtl="0">
+              <a:lnSpc>
+                <a:spcPct val="100000"/>
+              </a:lnSpc>
+              <a:spcBef>
+                <a:spcPts val="0"/>
+              </a:spcBef>
+              <a:spcAft>
+                <a:spcPts val="0"/>
+              </a:spcAft>
+              <a:buClr>
+                <a:srgbClr val="000000"/>
+              </a:buClr>
+              <a:buSzPts val="1400"/>
+              <a:buFont typeface="Arial"/>
+              <a:buNone/>
+              <a:defRPr sz="1800" b="0" i="0" u="none" strike="noStrike" cap="none">
+                <a:solidFill>
+                  <a:srgbClr val="000000"/>
+                </a:solidFill>
+                <a:latin typeface="Arial"/>
+                <a:ea typeface="Arial"/>
+                <a:cs typeface="Arial"/>
+                <a:sym typeface="Arial"/>
+              </a:defRPr>
+            </a:lvl5pPr>
+            <a:lvl6pPr marR="0" lvl="5" algn="l" rtl="0">
+              <a:lnSpc>
+                <a:spcPct val="100000"/>
+              </a:lnSpc>
+              <a:spcBef>
+                <a:spcPts val="0"/>
+              </a:spcBef>
+              <a:spcAft>
+                <a:spcPts val="0"/>
+              </a:spcAft>
+              <a:buClr>
+                <a:srgbClr val="000000"/>
+              </a:buClr>
+              <a:buSzPts val="1400"/>
+              <a:buFont typeface="Arial"/>
+              <a:buNone/>
+              <a:defRPr sz="1800" b="0" i="0" u="none" strike="noStrike" cap="none">
+                <a:solidFill>
+                  <a:srgbClr val="000000"/>
+                </a:solidFill>
+                <a:latin typeface="Arial"/>
+                <a:ea typeface="Arial"/>
+                <a:cs typeface="Arial"/>
+                <a:sym typeface="Arial"/>
+              </a:defRPr>
+            </a:lvl6pPr>
+            <a:lvl7pPr marR="0" lvl="6" algn="l" rtl="0">
+              <a:lnSpc>
+                <a:spcPct val="100000"/>
+              </a:lnSpc>
+              <a:spcBef>
+                <a:spcPts val="0"/>
+              </a:spcBef>
+              <a:spcAft>
+                <a:spcPts val="0"/>
+              </a:spcAft>
+              <a:buClr>
+                <a:srgbClr val="000000"/>
+              </a:buClr>
+              <a:buSzPts val="1400"/>
+              <a:buFont typeface="Arial"/>
+              <a:buNone/>
+              <a:defRPr sz="1800" b="0" i="0" u="none" strike="noStrike" cap="none">
+                <a:solidFill>
+                  <a:srgbClr val="000000"/>
+                </a:solidFill>
+                <a:latin typeface="Arial"/>
+                <a:ea typeface="Arial"/>
+                <a:cs typeface="Arial"/>
+                <a:sym typeface="Arial"/>
+              </a:defRPr>
+            </a:lvl7pPr>
+            <a:lvl8pPr marR="0" lvl="7" algn="l" rtl="0">
+              <a:lnSpc>
+                <a:spcPct val="100000"/>
+              </a:lnSpc>
+              <a:spcBef>
+                <a:spcPts val="0"/>
+              </a:spcBef>
+              <a:spcAft>
+                <a:spcPts val="0"/>
+              </a:spcAft>
+              <a:buClr>
+                <a:srgbClr val="000000"/>
+              </a:buClr>
+              <a:buSzPts val="1400"/>
+              <a:buFont typeface="Arial"/>
+              <a:buNone/>
+              <a:defRPr sz="1800" b="0" i="0" u="none" strike="noStrike" cap="none">
+                <a:solidFill>
+                  <a:srgbClr val="000000"/>
+                </a:solidFill>
+                <a:latin typeface="Arial"/>
+                <a:ea typeface="Arial"/>
+                <a:cs typeface="Arial"/>
+                <a:sym typeface="Arial"/>
+              </a:defRPr>
+            </a:lvl8pPr>
+            <a:lvl9pPr marR="0" lvl="8" algn="l" rtl="0">
+              <a:lnSpc>
+                <a:spcPct val="100000"/>
+              </a:lnSpc>
+              <a:spcBef>
+                <a:spcPts val="0"/>
+              </a:spcBef>
+              <a:spcAft>
+                <a:spcPts val="0"/>
+              </a:spcAft>
+              <a:buClr>
+                <a:srgbClr val="000000"/>
+              </a:buClr>
+              <a:buSzPts val="1400"/>
+              <a:buFont typeface="Arial"/>
+              <a:buNone/>
+              <a:defRPr sz="1800" b="0" i="0" u="none" strike="noStrike" cap="none">
+                <a:solidFill>
+                  <a:srgbClr val="000000"/>
+                </a:solidFill>
+                <a:latin typeface="Arial"/>
+                <a:ea typeface="Arial"/>
+                <a:cs typeface="Arial"/>
+                <a:sym typeface="Arial"/>
+              </a:defRPr>
+            </a:lvl9pPr>
+          </a:lstStyle>
+          <a:p>
+            <a:r>
+              <a:rPr lang="es-ES" sz="2000" dirty="0">
+                <a:latin typeface="CMU Serif" panose="02000603000000000000" pitchFamily="2" charset="0"/>
+                <a:ea typeface="CMU Serif" panose="02000603000000000000" pitchFamily="2" charset="0"/>
+                <a:cs typeface="CMU Serif" panose="02000603000000000000" pitchFamily="2" charset="0"/>
+              </a:rPr>
+              <a:t>Selección de mejor modelo</a:t>
+            </a:r>
+            <a:endParaRPr lang="es-CL" sz="2000" dirty="0">
+              <a:latin typeface="CMU Serif" panose="02000603000000000000" pitchFamily="2" charset="0"/>
+              <a:ea typeface="CMU Serif" panose="02000603000000000000" pitchFamily="2" charset="0"/>
+              <a:cs typeface="CMU Serif" panose="02000603000000000000" pitchFamily="2" charset="0"/>
+            </a:endParaRPr>
+          </a:p>
+        </p:txBody>
+      </p:sp>
+      <p:cxnSp>
+        <p:nvCxnSpPr>
+          <p:cNvPr id="25" name="Conector: angular 24">
+            <a:extLst>
+              <a:ext uri="{FF2B5EF4-FFF2-40B4-BE49-F238E27FC236}">
+                <a16:creationId xmlns:a16="http://schemas.microsoft.com/office/drawing/2014/main" id="{BFC4B7DC-CDEA-01BB-89B1-E56BFB9B2538}"/>
+              </a:ext>
+            </a:extLst>
+          </p:cNvPr>
+          <p:cNvCxnSpPr>
+            <a:cxnSpLocks/>
+            <a:stCxn id="63" idx="3"/>
+            <a:endCxn id="24" idx="1"/>
+          </p:cNvCxnSpPr>
+          <p:nvPr/>
+        </p:nvCxnSpPr>
+        <p:spPr>
+          <a:xfrm flipV="1">
+            <a:off x="7162648" y="2533765"/>
+            <a:ext cx="484512" cy="127"/>
+          </a:xfrm>
+          <a:prstGeom prst="bentConnector3">
+            <a:avLst>
+              <a:gd name="adj1" fmla="val 50000"/>
+            </a:avLst>
+          </a:prstGeom>
+          <a:ln w="25400">
+            <a:solidFill>
+              <a:schemeClr val="accent1">
+                <a:shade val="95000"/>
+                <a:satMod val="105000"/>
+                <a:alpha val="84000"/>
+              </a:schemeClr>
+            </a:solidFill>
+            <a:tailEnd type="triangle" w="lg" len="med"/>
+          </a:ln>
+        </p:spPr>
+        <p:style>
+          <a:lnRef idx="1">
+            <a:schemeClr val="accent1"/>
+          </a:lnRef>
+          <a:fillRef idx="0">
+            <a:schemeClr val="accent1"/>
+          </a:fillRef>
+          <a:effectRef idx="0">
+            <a:schemeClr val="accent1"/>
+          </a:effectRef>
+          <a:fontRef idx="minor">
+            <a:schemeClr val="tx1"/>
+          </a:fontRef>
+        </p:style>
+      </p:cxnSp>
+      <p:cxnSp>
+        <p:nvCxnSpPr>
+          <p:cNvPr id="29" name="Conector: angular 28">
+            <a:extLst>
+              <a:ext uri="{FF2B5EF4-FFF2-40B4-BE49-F238E27FC236}">
+                <a16:creationId xmlns:a16="http://schemas.microsoft.com/office/drawing/2014/main" id="{28699A05-22A9-A421-5ACC-D8B4F8EB3701}"/>
+              </a:ext>
+            </a:extLst>
+          </p:cNvPr>
+          <p:cNvCxnSpPr>
+            <a:cxnSpLocks/>
+            <a:stCxn id="17" idx="3"/>
+            <a:endCxn id="24" idx="1"/>
+          </p:cNvCxnSpPr>
+          <p:nvPr/>
+        </p:nvCxnSpPr>
+        <p:spPr>
+          <a:xfrm flipV="1">
+            <a:off x="7143197" y="2533765"/>
+            <a:ext cx="503963" cy="1085672"/>
+          </a:xfrm>
+          <a:prstGeom prst="bentConnector3">
+            <a:avLst>
+              <a:gd name="adj1" fmla="val 50000"/>
+            </a:avLst>
+          </a:prstGeom>
+          <a:ln w="25400">
+            <a:solidFill>
+              <a:schemeClr val="accent1">
+                <a:shade val="95000"/>
+                <a:satMod val="105000"/>
+                <a:alpha val="84000"/>
+              </a:schemeClr>
+            </a:solidFill>
+            <a:tailEnd type="triangle" w="lg" len="med"/>
+          </a:ln>
+        </p:spPr>
+        <p:style>
+          <a:lnRef idx="1">
+            <a:schemeClr val="accent1"/>
+          </a:lnRef>
+          <a:fillRef idx="0">
+            <a:schemeClr val="accent1"/>
+          </a:fillRef>
+          <a:effectRef idx="0">
+            <a:schemeClr val="accent1"/>
+          </a:effectRef>
+          <a:fontRef idx="minor">
+            <a:schemeClr val="tx1"/>
+          </a:fontRef>
+        </p:style>
+      </p:cxnSp>
+      <p:cxnSp>
+        <p:nvCxnSpPr>
+          <p:cNvPr id="32" name="Conector: angular 31">
+            <a:extLst>
+              <a:ext uri="{FF2B5EF4-FFF2-40B4-BE49-F238E27FC236}">
+                <a16:creationId xmlns:a16="http://schemas.microsoft.com/office/drawing/2014/main" id="{3C234970-B862-A879-A094-DAC86A425470}"/>
+              </a:ext>
+            </a:extLst>
+          </p:cNvPr>
+          <p:cNvCxnSpPr>
+            <a:cxnSpLocks/>
+            <a:stCxn id="24" idx="3"/>
+            <a:endCxn id="74" idx="1"/>
+          </p:cNvCxnSpPr>
+          <p:nvPr/>
+        </p:nvCxnSpPr>
+        <p:spPr>
+          <a:xfrm flipV="1">
+            <a:off x="9427617" y="2533339"/>
+            <a:ext cx="453957" cy="426"/>
+          </a:xfrm>
+          <a:prstGeom prst="bentConnector3">
+            <a:avLst>
+              <a:gd name="adj1" fmla="val 50000"/>
+            </a:avLst>
+          </a:prstGeom>
+          <a:ln w="25400">
+            <a:solidFill>
+              <a:schemeClr val="accent1">
+                <a:shade val="95000"/>
+                <a:satMod val="105000"/>
+                <a:alpha val="84000"/>
+              </a:schemeClr>
+            </a:solidFill>
+            <a:tailEnd type="triangle" w="lg" len="med"/>
+          </a:ln>
+        </p:spPr>
+        <p:style>
+          <a:lnRef idx="1">
+            <a:schemeClr val="accent1"/>
+          </a:lnRef>
+          <a:fillRef idx="0">
+            <a:schemeClr val="accent1"/>
+          </a:fillRef>
+          <a:effectRef idx="0">
+            <a:schemeClr val="accent1"/>
+          </a:effectRef>
+          <a:fontRef idx="minor">
+            <a:schemeClr val="tx1"/>
+          </a:fontRef>
+        </p:style>
+      </p:cxnSp>
+      <p:sp>
+        <p:nvSpPr>
+          <p:cNvPr id="35" name="Rectángulo 34">
+            <a:extLst>
+              <a:ext uri="{FF2B5EF4-FFF2-40B4-BE49-F238E27FC236}">
+                <a16:creationId xmlns:a16="http://schemas.microsoft.com/office/drawing/2014/main" id="{338E498D-D700-6666-B1EE-66828C26BB96}"/>
+              </a:ext>
+            </a:extLst>
+          </p:cNvPr>
+          <p:cNvSpPr/>
+          <p:nvPr/>
+        </p:nvSpPr>
+        <p:spPr>
+          <a:xfrm>
+            <a:off x="1955641" y="1799598"/>
+            <a:ext cx="7726840" cy="2386322"/>
+          </a:xfrm>
+          <a:prstGeom prst="rect">
+            <a:avLst/>
+          </a:prstGeom>
+          <a:noFill/>
+          <a:ln w="28575">
+            <a:solidFill>
+              <a:schemeClr val="tx1">
+                <a:alpha val="64000"/>
+              </a:schemeClr>
+            </a:solidFill>
+            <a:prstDash val="sysDot"/>
+          </a:ln>
+        </p:spPr>
+        <p:style>
+          <a:lnRef idx="2">
+            <a:schemeClr val="accent1">
+              <a:shade val="50000"/>
+            </a:schemeClr>
+          </a:lnRef>
+          <a:fillRef idx="1">
+            <a:schemeClr val="accent1"/>
+          </a:fillRef>
+          <a:effectRef idx="0">
+            <a:schemeClr val="accent1"/>
+          </a:effectRef>
+          <a:fontRef idx="minor">
+            <a:schemeClr val="lt1"/>
+          </a:fontRef>
+        </p:style>
+        <p:txBody>
+          <a:bodyPr rtlCol="0" anchor="ctr"/>
+          <a:lstStyle/>
+          <a:p>
+            <a:pPr algn="ctr"/>
+            <a:r>
+              <a:rPr lang="es-CL" sz="1400" dirty="0">
+                <a:latin typeface="CMU Serif" panose="02000603000000000000" pitchFamily="2" charset="0"/>
+                <a:ea typeface="CMU Serif" panose="02000603000000000000" pitchFamily="2" charset="0"/>
+                <a:cs typeface="CMU Serif" panose="02000603000000000000" pitchFamily="2" charset="0"/>
+              </a:rPr>
+              <a:t> </a:t>
+            </a:r>
+          </a:p>
+        </p:txBody>
+      </p:sp>
+      <p:sp>
+        <p:nvSpPr>
+          <p:cNvPr id="36" name="Google Shape;97;p24">
+            <a:extLst>
+              <a:ext uri="{FF2B5EF4-FFF2-40B4-BE49-F238E27FC236}">
+                <a16:creationId xmlns:a16="http://schemas.microsoft.com/office/drawing/2014/main" id="{D0DF2C37-BBE4-815A-36E7-7E2EECB8BC02}"/>
+              </a:ext>
+            </a:extLst>
+          </p:cNvPr>
+          <p:cNvSpPr txBox="1"/>
+          <p:nvPr/>
+        </p:nvSpPr>
+        <p:spPr>
+          <a:xfrm>
+            <a:off x="1445106" y="1359458"/>
+            <a:ext cx="8999374" cy="307777"/>
+          </a:xfrm>
+          <a:prstGeom prst="rect">
+            <a:avLst/>
+          </a:prstGeom>
+          <a:noFill/>
+          <a:ln>
+            <a:noFill/>
+          </a:ln>
+        </p:spPr>
+        <p:txBody>
+          <a:bodyPr spcFirstLastPara="1" wrap="square" lIns="0" tIns="0" rIns="0" bIns="0" anchor="t" anchorCtr="0">
+            <a:spAutoFit/>
+          </a:bodyPr>
+          <a:lstStyle/>
+          <a:p>
+            <a:pPr algn="ctr"/>
+            <a:r>
+              <a:rPr lang="es-CL" sz="2000" b="1" dirty="0">
+                <a:latin typeface="CMU Serif" panose="02000603000000000000" pitchFamily="2" charset="0"/>
+                <a:ea typeface="CMU Serif" panose="02000603000000000000" pitchFamily="2" charset="0"/>
+                <a:cs typeface="CMU Serif" panose="02000603000000000000" pitchFamily="2" charset="0"/>
+              </a:rPr>
+              <a:t>Estrategia de entrenamiento y selección del mejor modelo individual</a:t>
+            </a:r>
+          </a:p>
+        </p:txBody>
+      </p:sp>
+    </p:spTree>
+    <p:extLst>
+      <p:ext uri="{BB962C8B-B14F-4D97-AF65-F5344CB8AC3E}">
+        <p14:creationId xmlns:p14="http://schemas.microsoft.com/office/powerpoint/2010/main" val="495759377"/>
+      </p:ext>
+    </p:extLst>
+  </p:cSld>
+  <p:clrMapOvr>
+    <a:masterClrMapping/>
+  </p:clrMapOvr>
+  <mc:AlternateContent xmlns:mc="http://schemas.openxmlformats.org/markup-compatibility/2006" xmlns:p159="http://schemas.microsoft.com/office/powerpoint/2015/09/main">
+    <mc:Choice Requires="p159">
+      <p:transition xmlns:p14="http://schemas.microsoft.com/office/powerpoint/2010/main" spd="slow" p14:dur="2000" advTm="12000">
+        <p159:morph option="byObject"/>
+      </p:transition>
+    </mc:Choice>
+    <mc:Fallback xmlns="">
+      <p:transition spd="slow" advTm="12000">
+        <p:fade/>
+      </p:transition>
+    </mc:Fallback>
+  </mc:AlternateContent>
 </p:sld>
 </file>
 
